--- a/2023_review2/ONLINE AUCTION SYSTEM.pptx
+++ b/2023_review2/ONLINE AUCTION SYSTEM.pptx
@@ -5,21 +5,21 @@
     <p:sldMasterId id="2147483648" r:id="rId1"/>
   </p:sldMasterIdLst>
   <p:sldIdLst>
-    <p:sldId id="256" r:id="rId3"/>
-    <p:sldId id="257" r:id="rId4"/>
-    <p:sldId id="258" r:id="rId5"/>
-    <p:sldId id="259" r:id="rId6"/>
-    <p:sldId id="260" r:id="rId7"/>
-    <p:sldId id="261" r:id="rId8"/>
-    <p:sldId id="262" r:id="rId9"/>
-    <p:sldId id="263" r:id="rId10"/>
-    <p:sldId id="264" r:id="rId11"/>
-    <p:sldId id="265" r:id="rId12"/>
-    <p:sldId id="267" r:id="rId13"/>
-    <p:sldId id="268" r:id="rId14"/>
-    <p:sldId id="269" r:id="rId15"/>
-    <p:sldId id="270" r:id="rId16"/>
-    <p:sldId id="266" r:id="rId17"/>
+    <p:sldId id="256" r:id="rId2"/>
+    <p:sldId id="257" r:id="rId3"/>
+    <p:sldId id="258" r:id="rId4"/>
+    <p:sldId id="259" r:id="rId5"/>
+    <p:sldId id="260" r:id="rId6"/>
+    <p:sldId id="261" r:id="rId7"/>
+    <p:sldId id="262" r:id="rId8"/>
+    <p:sldId id="263" r:id="rId9"/>
+    <p:sldId id="264" r:id="rId10"/>
+    <p:sldId id="265" r:id="rId11"/>
+    <p:sldId id="267" r:id="rId12"/>
+    <p:sldId id="268" r:id="rId13"/>
+    <p:sldId id="269" r:id="rId14"/>
+    <p:sldId id="270" r:id="rId15"/>
+    <p:sldId id="266" r:id="rId16"/>
   </p:sldIdLst>
   <p:sldSz cx="12192000" cy="6858000"/>
   <p:notesSz cx="6858000" cy="9144000"/>
@@ -128,7 +128,7 @@
 </file>
 
 <file path=ppt/slideLayouts/slideLayout1.xml><?xml version="1.0" encoding="utf-8"?>
-<p:sldLayout xmlns:a="http://schemas.openxmlformats.org/drawingml/2006/main" xmlns:r="http://schemas.openxmlformats.org/officeDocument/2006/relationships" xmlns:p="http://schemas.openxmlformats.org/presentationml/2006/main" type="title" preserve="1" showMasterSp="0">
+<p:sldLayout xmlns:a="http://schemas.openxmlformats.org/drawingml/2006/main" xmlns:r="http://schemas.openxmlformats.org/officeDocument/2006/relationships" xmlns:p="http://schemas.openxmlformats.org/presentationml/2006/main" showMasterSp="0" type="title" preserve="1">
   <p:cSld name="Title Slide">
     <p:bg>
       <p:bgPr>
@@ -1336,6 +1336,7 @@
           <a:p>
             <a:fld id="{1C6E12D2-DA3A-480B-BCDF-BFB6C7EBE402}" type="datetimeFigureOut">
               <a:rPr lang="en-US" smtClean="0"/>
+              <a:t>3/27/2023</a:t>
             </a:fld>
             <a:endParaRPr lang="en-US"/>
           </a:p>
@@ -1407,6 +1408,7 @@
           <a:p>
             <a:fld id="{F1BBC3DF-4D3E-4D62-AC24-223E50BCC8DF}" type="slidenum">
               <a:rPr lang="en-US" smtClean="0"/>
+              <a:t>‹#›</a:t>
             </a:fld>
             <a:endParaRPr lang="en-US"/>
           </a:p>
@@ -1518,7 +1520,6 @@
               <a:rPr lang="en-US"/>
               <a:t>Click to edit Master text styles</a:t>
             </a:r>
-            <a:endParaRPr lang="en-US"/>
           </a:p>
           <a:p>
             <a:pPr lvl="1"/>
@@ -1526,7 +1527,6 @@
               <a:rPr lang="en-US"/>
               <a:t>Second level</a:t>
             </a:r>
-            <a:endParaRPr lang="en-US"/>
           </a:p>
           <a:p>
             <a:pPr lvl="2"/>
@@ -1534,7 +1534,6 @@
               <a:rPr lang="en-US"/>
               <a:t>Third level</a:t>
             </a:r>
-            <a:endParaRPr lang="en-US"/>
           </a:p>
           <a:p>
             <a:pPr lvl="3"/>
@@ -1542,7 +1541,6 @@
               <a:rPr lang="en-US"/>
               <a:t>Fourth level</a:t>
             </a:r>
-            <a:endParaRPr lang="en-US"/>
           </a:p>
           <a:p>
             <a:pPr lvl="4"/>
@@ -1571,6 +1569,7 @@
           <a:p>
             <a:fld id="{1C6E12D2-DA3A-480B-BCDF-BFB6C7EBE402}" type="datetimeFigureOut">
               <a:rPr lang="en-US" smtClean="0"/>
+              <a:t>3/27/2023</a:t>
             </a:fld>
             <a:endParaRPr lang="en-US"/>
           </a:p>
@@ -1612,6 +1611,7 @@
           <a:p>
             <a:fld id="{F1BBC3DF-4D3E-4D62-AC24-223E50BCC8DF}" type="slidenum">
               <a:rPr lang="en-US" smtClean="0"/>
+              <a:t>‹#›</a:t>
             </a:fld>
             <a:endParaRPr lang="en-US"/>
           </a:p>
@@ -1695,7 +1695,6 @@
               <a:rPr lang="en-US"/>
               <a:t>Click to edit Master text styles</a:t>
             </a:r>
-            <a:endParaRPr lang="en-US"/>
           </a:p>
           <a:p>
             <a:pPr lvl="1"/>
@@ -1703,7 +1702,6 @@
               <a:rPr lang="en-US"/>
               <a:t>Second level</a:t>
             </a:r>
-            <a:endParaRPr lang="en-US"/>
           </a:p>
           <a:p>
             <a:pPr lvl="2"/>
@@ -1711,7 +1709,6 @@
               <a:rPr lang="en-US"/>
               <a:t>Third level</a:t>
             </a:r>
-            <a:endParaRPr lang="en-US"/>
           </a:p>
           <a:p>
             <a:pPr lvl="3"/>
@@ -1719,7 +1716,6 @@
               <a:rPr lang="en-US"/>
               <a:t>Fourth level</a:t>
             </a:r>
-            <a:endParaRPr lang="en-US"/>
           </a:p>
           <a:p>
             <a:pPr lvl="4"/>
@@ -1748,6 +1744,7 @@
           <a:p>
             <a:fld id="{1C6E12D2-DA3A-480B-BCDF-BFB6C7EBE402}" type="datetimeFigureOut">
               <a:rPr lang="en-US" smtClean="0"/>
+              <a:t>3/27/2023</a:t>
             </a:fld>
             <a:endParaRPr lang="en-US"/>
           </a:p>
@@ -1789,6 +1786,7 @@
           <a:p>
             <a:fld id="{F1BBC3DF-4D3E-4D62-AC24-223E50BCC8DF}" type="slidenum">
               <a:rPr lang="en-US" smtClean="0"/>
+              <a:t>‹#›</a:t>
             </a:fld>
             <a:endParaRPr lang="en-US"/>
           </a:p>
@@ -1862,7 +1860,6 @@
               <a:rPr lang="en-US"/>
               <a:t>Click to edit Master text styles</a:t>
             </a:r>
-            <a:endParaRPr lang="en-US"/>
           </a:p>
           <a:p>
             <a:pPr lvl="1"/>
@@ -1870,7 +1867,6 @@
               <a:rPr lang="en-US"/>
               <a:t>Second level</a:t>
             </a:r>
-            <a:endParaRPr lang="en-US"/>
           </a:p>
           <a:p>
             <a:pPr lvl="2"/>
@@ -1878,7 +1874,6 @@
               <a:rPr lang="en-US"/>
               <a:t>Third level</a:t>
             </a:r>
-            <a:endParaRPr lang="en-US"/>
           </a:p>
           <a:p>
             <a:pPr lvl="3"/>
@@ -1886,7 +1881,6 @@
               <a:rPr lang="en-US"/>
               <a:t>Fourth level</a:t>
             </a:r>
-            <a:endParaRPr lang="en-US"/>
           </a:p>
           <a:p>
             <a:pPr lvl="4"/>
@@ -1915,6 +1909,7 @@
           <a:p>
             <a:fld id="{1C6E12D2-DA3A-480B-BCDF-BFB6C7EBE402}" type="datetimeFigureOut">
               <a:rPr lang="en-US" smtClean="0"/>
+              <a:t>3/27/2023</a:t>
             </a:fld>
             <a:endParaRPr lang="en-US"/>
           </a:p>
@@ -1956,6 +1951,7 @@
           <a:p>
             <a:fld id="{F1BBC3DF-4D3E-4D62-AC24-223E50BCC8DF}" type="slidenum">
               <a:rPr lang="en-US" smtClean="0"/>
+              <a:t>‹#›</a:t>
             </a:fld>
             <a:endParaRPr lang="en-US"/>
           </a:p>
@@ -1970,7 +1966,7 @@
 </file>
 
 <file path=ppt/slideLayouts/slideLayout3.xml><?xml version="1.0" encoding="utf-8"?>
-<p:sldLayout xmlns:a="http://schemas.openxmlformats.org/drawingml/2006/main" xmlns:r="http://schemas.openxmlformats.org/officeDocument/2006/relationships" xmlns:p="http://schemas.openxmlformats.org/presentationml/2006/main" type="secHead" preserve="1" showMasterSp="0">
+<p:sldLayout xmlns:a="http://schemas.openxmlformats.org/drawingml/2006/main" xmlns:r="http://schemas.openxmlformats.org/officeDocument/2006/relationships" xmlns:p="http://schemas.openxmlformats.org/presentationml/2006/main" showMasterSp="0" type="secHead" preserve="1">
   <p:cSld name="Section Header">
     <p:bg>
       <p:bgPr>
@@ -2151,7 +2147,6 @@
               <a:rPr lang="en-US"/>
               <a:t>Click to edit Master text styles</a:t>
             </a:r>
-            <a:endParaRPr lang="en-US"/>
           </a:p>
         </p:txBody>
       </p:sp>
@@ -2185,6 +2180,7 @@
           <a:p>
             <a:fld id="{1C6E12D2-DA3A-480B-BCDF-BFB6C7EBE402}" type="datetimeFigureOut">
               <a:rPr lang="en-US" smtClean="0"/>
+              <a:t>3/27/2023</a:t>
             </a:fld>
             <a:endParaRPr lang="en-US"/>
           </a:p>
@@ -2252,6 +2248,7 @@
           <a:p>
             <a:fld id="{F1BBC3DF-4D3E-4D62-AC24-223E50BCC8DF}" type="slidenum">
               <a:rPr lang="en-US" smtClean="0"/>
+              <a:t>‹#›</a:t>
             </a:fld>
             <a:endParaRPr lang="en-US"/>
           </a:p>
@@ -3269,7 +3266,6 @@
               <a:rPr lang="en-US"/>
               <a:t>Click to edit Master text styles</a:t>
             </a:r>
-            <a:endParaRPr lang="en-US"/>
           </a:p>
           <a:p>
             <a:pPr lvl="1"/>
@@ -3277,7 +3273,6 @@
               <a:rPr lang="en-US"/>
               <a:t>Second level</a:t>
             </a:r>
-            <a:endParaRPr lang="en-US"/>
           </a:p>
           <a:p>
             <a:pPr lvl="2"/>
@@ -3285,7 +3280,6 @@
               <a:rPr lang="en-US"/>
               <a:t>Third level</a:t>
             </a:r>
-            <a:endParaRPr lang="en-US"/>
           </a:p>
           <a:p>
             <a:pPr lvl="3"/>
@@ -3293,7 +3287,6 @@
               <a:rPr lang="en-US"/>
               <a:t>Fourth level</a:t>
             </a:r>
-            <a:endParaRPr lang="en-US"/>
           </a:p>
           <a:p>
             <a:pPr lvl="4"/>
@@ -3330,7 +3323,6 @@
               <a:rPr lang="en-US"/>
               <a:t>Click to edit Master text styles</a:t>
             </a:r>
-            <a:endParaRPr lang="en-US"/>
           </a:p>
           <a:p>
             <a:pPr lvl="1"/>
@@ -3338,7 +3330,6 @@
               <a:rPr lang="en-US"/>
               <a:t>Second level</a:t>
             </a:r>
-            <a:endParaRPr lang="en-US"/>
           </a:p>
           <a:p>
             <a:pPr lvl="2"/>
@@ -3346,7 +3337,6 @@
               <a:rPr lang="en-US"/>
               <a:t>Third level</a:t>
             </a:r>
-            <a:endParaRPr lang="en-US"/>
           </a:p>
           <a:p>
             <a:pPr lvl="3"/>
@@ -3354,7 +3344,6 @@
               <a:rPr lang="en-US"/>
               <a:t>Fourth level</a:t>
             </a:r>
-            <a:endParaRPr lang="en-US"/>
           </a:p>
           <a:p>
             <a:pPr lvl="4"/>
@@ -3383,6 +3372,7 @@
           <a:p>
             <a:fld id="{1C6E12D2-DA3A-480B-BCDF-BFB6C7EBE402}" type="datetimeFigureOut">
               <a:rPr lang="en-US" smtClean="0"/>
+              <a:t>3/27/2023</a:t>
             </a:fld>
             <a:endParaRPr lang="en-US"/>
           </a:p>
@@ -3424,6 +3414,7 @@
           <a:p>
             <a:fld id="{F1BBC3DF-4D3E-4D62-AC24-223E50BCC8DF}" type="slidenum">
               <a:rPr lang="en-US" smtClean="0"/>
+              <a:t>‹#›</a:t>
             </a:fld>
             <a:endParaRPr lang="en-US"/>
           </a:p>
@@ -3553,7 +3544,6 @@
               <a:rPr lang="en-US"/>
               <a:t>Click to edit Master text styles</a:t>
             </a:r>
-            <a:endParaRPr lang="en-US"/>
           </a:p>
         </p:txBody>
       </p:sp>
@@ -3582,7 +3572,6 @@
               <a:rPr lang="en-US"/>
               <a:t>Click to edit Master text styles</a:t>
             </a:r>
-            <a:endParaRPr lang="en-US"/>
           </a:p>
           <a:p>
             <a:pPr lvl="1"/>
@@ -3590,7 +3579,6 @@
               <a:rPr lang="en-US"/>
               <a:t>Second level</a:t>
             </a:r>
-            <a:endParaRPr lang="en-US"/>
           </a:p>
           <a:p>
             <a:pPr lvl="2"/>
@@ -3598,7 +3586,6 @@
               <a:rPr lang="en-US"/>
               <a:t>Third level</a:t>
             </a:r>
-            <a:endParaRPr lang="en-US"/>
           </a:p>
           <a:p>
             <a:pPr lvl="3"/>
@@ -3606,7 +3593,6 @@
               <a:rPr lang="en-US"/>
               <a:t>Fourth level</a:t>
             </a:r>
-            <a:endParaRPr lang="en-US"/>
           </a:p>
           <a:p>
             <a:pPr lvl="4"/>
@@ -3689,7 +3675,6 @@
               <a:rPr lang="en-US"/>
               <a:t>Click to edit Master text styles</a:t>
             </a:r>
-            <a:endParaRPr lang="en-US"/>
           </a:p>
         </p:txBody>
       </p:sp>
@@ -3718,7 +3703,6 @@
               <a:rPr lang="en-US"/>
               <a:t>Click to edit Master text styles</a:t>
             </a:r>
-            <a:endParaRPr lang="en-US"/>
           </a:p>
           <a:p>
             <a:pPr lvl="1"/>
@@ -3726,7 +3710,6 @@
               <a:rPr lang="en-US"/>
               <a:t>Second level</a:t>
             </a:r>
-            <a:endParaRPr lang="en-US"/>
           </a:p>
           <a:p>
             <a:pPr lvl="2"/>
@@ -3734,7 +3717,6 @@
               <a:rPr lang="en-US"/>
               <a:t>Third level</a:t>
             </a:r>
-            <a:endParaRPr lang="en-US"/>
           </a:p>
           <a:p>
             <a:pPr lvl="3"/>
@@ -3742,7 +3724,6 @@
               <a:rPr lang="en-US"/>
               <a:t>Fourth level</a:t>
             </a:r>
-            <a:endParaRPr lang="en-US"/>
           </a:p>
           <a:p>
             <a:pPr lvl="4"/>
@@ -3771,6 +3752,7 @@
           <a:p>
             <a:fld id="{1C6E12D2-DA3A-480B-BCDF-BFB6C7EBE402}" type="datetimeFigureOut">
               <a:rPr lang="en-US" smtClean="0"/>
+              <a:t>3/27/2023</a:t>
             </a:fld>
             <a:endParaRPr lang="en-US"/>
           </a:p>
@@ -3812,6 +3794,7 @@
           <a:p>
             <a:fld id="{F1BBC3DF-4D3E-4D62-AC24-223E50BCC8DF}" type="slidenum">
               <a:rPr lang="en-US" smtClean="0"/>
+              <a:t>‹#›</a:t>
             </a:fld>
             <a:endParaRPr lang="en-US"/>
           </a:p>
@@ -3882,6 +3865,7 @@
           <a:p>
             <a:fld id="{1C6E12D2-DA3A-480B-BCDF-BFB6C7EBE402}" type="datetimeFigureOut">
               <a:rPr lang="en-US" smtClean="0"/>
+              <a:t>3/27/2023</a:t>
             </a:fld>
             <a:endParaRPr lang="en-US"/>
           </a:p>
@@ -3923,6 +3907,7 @@
           <a:p>
             <a:fld id="{F1BBC3DF-4D3E-4D62-AC24-223E50BCC8DF}" type="slidenum">
               <a:rPr lang="en-US" smtClean="0"/>
+              <a:t>‹#›</a:t>
             </a:fld>
             <a:endParaRPr lang="en-US"/>
           </a:p>
@@ -3970,6 +3955,7 @@
           <a:p>
             <a:fld id="{1C6E12D2-DA3A-480B-BCDF-BFB6C7EBE402}" type="datetimeFigureOut">
               <a:rPr lang="en-US" smtClean="0"/>
+              <a:t>3/27/2023</a:t>
             </a:fld>
             <a:endParaRPr lang="en-US"/>
           </a:p>
@@ -4011,6 +3997,7 @@
           <a:p>
             <a:fld id="{F1BBC3DF-4D3E-4D62-AC24-223E50BCC8DF}" type="slidenum">
               <a:rPr lang="en-US" smtClean="0"/>
+              <a:t>‹#›</a:t>
             </a:fld>
             <a:endParaRPr lang="en-US"/>
           </a:p>
@@ -4025,7 +4012,7 @@
 </file>
 
 <file path=ppt/slideLayouts/slideLayout8.xml><?xml version="1.0" encoding="utf-8"?>
-<p:sldLayout xmlns:a="http://schemas.openxmlformats.org/drawingml/2006/main" xmlns:r="http://schemas.openxmlformats.org/officeDocument/2006/relationships" xmlns:p="http://schemas.openxmlformats.org/presentationml/2006/main" type="objTx" preserve="1" showMasterSp="0">
+<p:sldLayout xmlns:a="http://schemas.openxmlformats.org/drawingml/2006/main" xmlns:r="http://schemas.openxmlformats.org/officeDocument/2006/relationships" xmlns:p="http://schemas.openxmlformats.org/presentationml/2006/main" showMasterSp="0" type="objTx" preserve="1">
   <p:cSld name="Content with Caption">
     <p:spTree>
       <p:nvGrpSpPr>
@@ -4595,7 +4582,6 @@
               <a:rPr lang="en-US"/>
               <a:t>Click to edit Master text styles</a:t>
             </a:r>
-            <a:endParaRPr lang="en-US"/>
           </a:p>
           <a:p>
             <a:pPr lvl="1"/>
@@ -4603,7 +4589,6 @@
               <a:rPr lang="en-US"/>
               <a:t>Second level</a:t>
             </a:r>
-            <a:endParaRPr lang="en-US"/>
           </a:p>
           <a:p>
             <a:pPr lvl="2"/>
@@ -4611,7 +4596,6 @@
               <a:rPr lang="en-US"/>
               <a:t>Third level</a:t>
             </a:r>
-            <a:endParaRPr lang="en-US"/>
           </a:p>
           <a:p>
             <a:pPr lvl="3"/>
@@ -4619,7 +4603,6 @@
               <a:rPr lang="en-US"/>
               <a:t>Fourth level</a:t>
             </a:r>
-            <a:endParaRPr lang="en-US"/>
           </a:p>
           <a:p>
             <a:pPr lvl="4"/>
@@ -4703,7 +4686,6 @@
               <a:rPr lang="en-US"/>
               <a:t>Click to edit Master text styles</a:t>
             </a:r>
-            <a:endParaRPr lang="en-US"/>
           </a:p>
         </p:txBody>
       </p:sp>
@@ -4729,6 +4711,7 @@
           <a:p>
             <a:fld id="{1C6E12D2-DA3A-480B-BCDF-BFB6C7EBE402}" type="datetimeFigureOut">
               <a:rPr lang="en-US" smtClean="0"/>
+              <a:t>3/27/2023</a:t>
             </a:fld>
             <a:endParaRPr lang="en-US"/>
           </a:p>
@@ -4780,6 +4763,7 @@
           <a:p>
             <a:fld id="{F1BBC3DF-4D3E-4D62-AC24-223E50BCC8DF}" type="slidenum">
               <a:rPr lang="en-US" smtClean="0"/>
+              <a:t>‹#›</a:t>
             </a:fld>
             <a:endParaRPr lang="en-US"/>
           </a:p>
@@ -4832,7 +4816,7 @@
 </file>
 
 <file path=ppt/slideLayouts/slideLayout9.xml><?xml version="1.0" encoding="utf-8"?>
-<p:sldLayout xmlns:a="http://schemas.openxmlformats.org/drawingml/2006/main" xmlns:r="http://schemas.openxmlformats.org/officeDocument/2006/relationships" xmlns:p="http://schemas.openxmlformats.org/presentationml/2006/main" type="picTx" preserve="1" showMasterSp="0">
+<p:sldLayout xmlns:a="http://schemas.openxmlformats.org/drawingml/2006/main" xmlns:r="http://schemas.openxmlformats.org/officeDocument/2006/relationships" xmlns:p="http://schemas.openxmlformats.org/presentationml/2006/main" showMasterSp="0" type="picTx" preserve="1">
   <p:cSld name="Picture with Caption">
     <p:spTree>
       <p:nvGrpSpPr>
@@ -5524,7 +5508,6 @@
               <a:rPr lang="en-US"/>
               <a:t>Click to edit Master text styles</a:t>
             </a:r>
-            <a:endParaRPr lang="en-US"/>
           </a:p>
         </p:txBody>
       </p:sp>
@@ -5550,6 +5533,7 @@
           <a:p>
             <a:fld id="{1C6E12D2-DA3A-480B-BCDF-BFB6C7EBE402}" type="datetimeFigureOut">
               <a:rPr lang="en-US" smtClean="0"/>
+              <a:t>3/27/2023</a:t>
             </a:fld>
             <a:endParaRPr lang="en-US"/>
           </a:p>
@@ -5601,6 +5585,7 @@
           <a:p>
             <a:fld id="{F1BBC3DF-4D3E-4D62-AC24-223E50BCC8DF}" type="slidenum">
               <a:rPr lang="en-US" smtClean="0"/>
+              <a:t>‹#›</a:t>
             </a:fld>
             <a:endParaRPr lang="en-US"/>
           </a:p>
@@ -5702,7 +5687,6 @@
               <a:rPr lang="en-US"/>
               <a:t>Click to edit Master text styles</a:t>
             </a:r>
-            <a:endParaRPr lang="en-US"/>
           </a:p>
           <a:p>
             <a:pPr lvl="1"/>
@@ -5710,7 +5694,6 @@
               <a:rPr lang="en-US"/>
               <a:t>Second level</a:t>
             </a:r>
-            <a:endParaRPr lang="en-US"/>
           </a:p>
           <a:p>
             <a:pPr lvl="2"/>
@@ -5718,7 +5701,6 @@
               <a:rPr lang="en-US"/>
               <a:t>Third level</a:t>
             </a:r>
-            <a:endParaRPr lang="en-US"/>
           </a:p>
           <a:p>
             <a:pPr lvl="3"/>
@@ -5726,7 +5708,6 @@
               <a:rPr lang="en-US"/>
               <a:t>Fourth level</a:t>
             </a:r>
-            <a:endParaRPr lang="en-US"/>
           </a:p>
           <a:p>
             <a:pPr lvl="4"/>
@@ -5774,6 +5755,7 @@
           <a:p>
             <a:fld id="{1C6E12D2-DA3A-480B-BCDF-BFB6C7EBE402}" type="datetimeFigureOut">
               <a:rPr lang="en-US" smtClean="0"/>
+              <a:t>3/27/2023</a:t>
             </a:fld>
             <a:endParaRPr lang="en-US"/>
           </a:p>
@@ -5853,6 +5835,7 @@
           <a:p>
             <a:fld id="{F1BBC3DF-4D3E-4D62-AC24-223E50BCC8DF}" type="slidenum">
               <a:rPr lang="en-US" smtClean="0"/>
+              <a:t>‹#›</a:t>
             </a:fld>
             <a:endParaRPr lang="en-US"/>
           </a:p>
@@ -6754,7 +6737,6 @@
               <a:rPr lang="en-US" dirty="0"/>
               <a:t>ONLINE AUCTION SYSTEM</a:t>
             </a:r>
-            <a:endParaRPr lang="en-US" dirty="0"/>
           </a:p>
         </p:txBody>
       </p:sp>
@@ -6827,7 +6809,6 @@
               <a:rPr lang="en-US" dirty="0"/>
               <a:t>Level 1:</a:t>
             </a:r>
-            <a:endParaRPr lang="en-US" dirty="0"/>
           </a:p>
         </p:txBody>
       </p:sp>
@@ -6842,7 +6823,7 @@
           </p:nvPr>
         </p:nvPicPr>
         <p:blipFill>
-          <a:blip r:embed="rId1">
+          <a:blip r:embed="rId2">
             <a:extLst>
               <a:ext uri="{28A0092B-C50C-407E-A947-70E740481C1C}">
                 <a14:useLocalDpi xmlns:a14="http://schemas.microsoft.com/office/drawing/2010/main" val="0"/>
@@ -6918,7 +6899,7 @@
         </p:nvGraphicFramePr>
         <p:xfrm>
           <a:off x="1079341" y="1338138"/>
-          <a:ext cx="5867400" cy="5708650"/>
+          <a:ext cx="5867400" cy="1521888"/>
         </p:xfrm>
         <a:graphic>
           <a:graphicData uri="http://schemas.openxmlformats.org/drawingml/2006/table">
@@ -6942,20 +6923,20 @@
                         <a:buNone/>
                       </a:pPr>
                       <a:r>
-                        <a:rPr lang="en-US" sz="1200" b="1">
+                        <a:rPr lang="en-US" sz="1200" b="1" dirty="0">
                           <a:latin typeface="Times New Roman" panose="02020603050405020304" pitchFamily="18" charset="0"/>
                           <a:cs typeface="Times New Roman" panose="02020603050405020304" pitchFamily="18" charset="0"/>
                         </a:rPr>
                         <a:t>FIELD </a:t>
                       </a:r>
-                      <a:endParaRPr lang="en-US" sz="1200" b="1">
+                      <a:endParaRPr lang="en-US" sz="1200" b="1" dirty="0">
                         <a:latin typeface="Times New Roman" panose="02020603050405020304" pitchFamily="18" charset="0"/>
                         <a:ea typeface="Times New Roman" panose="02020603050405020304" pitchFamily="18" charset="0"/>
                         <a:cs typeface="Times New Roman" panose="02020603050405020304" pitchFamily="18" charset="0"/>
                       </a:endParaRPr>
                     </a:p>
                   </a:txBody>
-                  <a:tcPr marL="68580" marR="68580" marT="0" marB="0" vert="horz" anchor="t" anchorCtr="0"/>
+                  <a:tcPr marL="68580" marR="68580" marT="0" marB="0"/>
                 </a:tc>
                 <a:tc>
                   <a:txBody>
@@ -6979,7 +6960,7 @@
                       </a:endParaRPr>
                     </a:p>
                   </a:txBody>
-                  <a:tcPr marL="68580" marR="68580" marT="0" marB="0" vert="horz" anchor="t" anchorCtr="0"/>
+                  <a:tcPr marL="68580" marR="68580" marT="0" marB="0"/>
                 </a:tc>
                 <a:tc>
                   <a:txBody>
@@ -7003,7 +6984,7 @@
                       </a:endParaRPr>
                     </a:p>
                   </a:txBody>
-                  <a:tcPr marL="68580" marR="68580" marT="0" marB="0" vert="horz" anchor="t" anchorCtr="0"/>
+                  <a:tcPr marL="68580" marR="68580" marT="0" marB="0"/>
                 </a:tc>
                 <a:tc>
                   <a:txBody>
@@ -7027,7 +7008,7 @@
                       </a:endParaRPr>
                     </a:p>
                   </a:txBody>
-                  <a:tcPr marL="68580" marR="68580" marT="0" marB="0" vert="horz" anchor="t" anchorCtr="0"/>
+                  <a:tcPr marL="68580" marR="68580" marT="0" marB="0"/>
                 </a:tc>
               </a:tr>
               <a:tr h="380365">
@@ -7060,7 +7041,7 @@
                       </a:endParaRPr>
                     </a:p>
                   </a:txBody>
-                  <a:tcPr marL="68580" marR="68580" marT="0" marB="0" vert="horz" anchor="t" anchorCtr="0"/>
+                  <a:tcPr marL="68580" marR="68580" marT="0" marB="0"/>
                 </a:tc>
                 <a:tc>
                   <a:txBody>
@@ -7084,7 +7065,7 @@
                       </a:endParaRPr>
                     </a:p>
                   </a:txBody>
-                  <a:tcPr marL="68580" marR="68580" marT="0" marB="0" vert="horz" anchor="t" anchorCtr="0"/>
+                  <a:tcPr marL="68580" marR="68580" marT="0" marB="0"/>
                 </a:tc>
                 <a:tc>
                   <a:txBody>
@@ -7108,7 +7089,7 @@
                       </a:endParaRPr>
                     </a:p>
                   </a:txBody>
-                  <a:tcPr marL="68580" marR="68580" marT="0" marB="0" vert="horz" anchor="t" anchorCtr="0"/>
+                  <a:tcPr marL="68580" marR="68580" marT="0" marB="0"/>
                 </a:tc>
                 <a:tc>
                   <a:txBody>
@@ -7132,36 +7113,38 @@
                       </a:endParaRPr>
                     </a:p>
                   </a:txBody>
-                  <a:tcPr marL="68580" marR="68580" marT="0" marB="0" vert="horz" anchor="t" anchorCtr="0"/>
+                  <a:tcPr marL="68580" marR="68580" marT="0" marB="0"/>
                 </a:tc>
               </a:tr>
               <a:tr h="380579">
                 <a:tc>
                   <a:txBody>
                     <a:bodyPr/>
+                    <a:lstStyle/>
                     <a:p>
                       <a:pPr indent="0">
                         <a:buNone/>
                       </a:pPr>
                       <a:r>
-                        <a:rPr lang="en-IN" altLang="en-US" sz="1200" b="0">
+                        <a:rPr lang="en-IN" altLang="en-US" sz="1200" b="0" dirty="0">
                           <a:latin typeface="Times New Roman" panose="02020603050405020304" pitchFamily="18" charset="0"/>
                           <a:cs typeface="Times New Roman" panose="02020603050405020304" pitchFamily="18" charset="0"/>
                         </a:rPr>
                         <a:t>Username</a:t>
                       </a:r>
-                      <a:endParaRPr lang="en-IN" altLang="en-US" sz="1200" b="0">
+                      <a:endParaRPr lang="en-IN" altLang="en-US" sz="1200" b="0" dirty="0">
                         <a:latin typeface="Times New Roman" panose="02020603050405020304" pitchFamily="18" charset="0"/>
                         <a:ea typeface="Times New Roman" panose="02020603050405020304" pitchFamily="18" charset="0"/>
                         <a:cs typeface="Times New Roman" panose="02020603050405020304" pitchFamily="18" charset="0"/>
                       </a:endParaRPr>
                     </a:p>
                   </a:txBody>
-                  <a:tcPr marL="68580" marR="68580" marT="0" marB="0" vert="horz" anchor="t" anchorCtr="0"/>
+                  <a:tcPr marL="68580" marR="68580" marT="0" marB="0"/>
                 </a:tc>
                 <a:tc>
                   <a:txBody>
                     <a:bodyPr/>
+                    <a:lstStyle/>
                     <a:p>
                       <a:pPr indent="0">
                         <a:buNone/>
@@ -7180,11 +7163,12 @@
                       </a:endParaRPr>
                     </a:p>
                   </a:txBody>
-                  <a:tcPr marL="68580" marR="68580" marT="0" marB="0" vert="horz" anchor="t" anchorCtr="0"/>
+                  <a:tcPr marL="68580" marR="68580" marT="0" marB="0"/>
                 </a:tc>
                 <a:tc>
                   <a:txBody>
                     <a:bodyPr/>
+                    <a:lstStyle/>
                     <a:p>
                       <a:pPr indent="0">
                         <a:buNone/>
@@ -7203,11 +7187,12 @@
                       </a:endParaRPr>
                     </a:p>
                   </a:txBody>
-                  <a:tcPr marL="68580" marR="68580" marT="0" marB="0" vert="horz" anchor="t" anchorCtr="0"/>
+                  <a:tcPr marL="68580" marR="68580" marT="0" marB="0"/>
                 </a:tc>
                 <a:tc>
                   <a:txBody>
                     <a:bodyPr/>
+                    <a:lstStyle/>
                     <a:p>
                       <a:pPr indent="0">
                         <a:buNone/>
@@ -7226,13 +7211,14 @@
                       </a:endParaRPr>
                     </a:p>
                   </a:txBody>
-                  <a:tcPr marL="68580" marR="68580" marT="0" marB="0" vert="horz" anchor="t" anchorCtr="0"/>
+                  <a:tcPr marL="68580" marR="68580" marT="0" marB="0"/>
                 </a:tc>
               </a:tr>
               <a:tr h="380579">
                 <a:tc>
                   <a:txBody>
                     <a:bodyPr/>
+                    <a:lstStyle/>
                     <a:p>
                       <a:pPr indent="0">
                         <a:buNone/>
@@ -7251,11 +7237,12 @@
                       </a:endParaRPr>
                     </a:p>
                   </a:txBody>
-                  <a:tcPr marL="68580" marR="68580" marT="0" marB="0" vert="horz" anchor="t" anchorCtr="0"/>
+                  <a:tcPr marL="68580" marR="68580" marT="0" marB="0"/>
                 </a:tc>
                 <a:tc>
                   <a:txBody>
                     <a:bodyPr/>
+                    <a:lstStyle/>
                     <a:p>
                       <a:pPr indent="0">
                         <a:buNone/>
@@ -7274,11 +7261,12 @@
                       </a:endParaRPr>
                     </a:p>
                   </a:txBody>
-                  <a:tcPr marL="68580" marR="68580" marT="0" marB="0" vert="horz" anchor="t" anchorCtr="0"/>
+                  <a:tcPr marL="68580" marR="68580" marT="0" marB="0"/>
                 </a:tc>
                 <a:tc>
                   <a:txBody>
                     <a:bodyPr/>
+                    <a:lstStyle/>
                     <a:p>
                       <a:pPr indent="0">
                         <a:buNone/>
@@ -7297,11 +7285,12 @@
                       </a:endParaRPr>
                     </a:p>
                   </a:txBody>
-                  <a:tcPr marL="68580" marR="68580" marT="0" marB="0" vert="horz" anchor="t" anchorCtr="0"/>
+                  <a:tcPr marL="68580" marR="68580" marT="0" marB="0"/>
                 </a:tc>
                 <a:tc>
                   <a:txBody>
                     <a:bodyPr/>
+                    <a:lstStyle/>
                     <a:p>
                       <a:pPr indent="0">
                         <a:buNone/>
@@ -7320,7 +7309,7 @@
                       </a:endParaRPr>
                     </a:p>
                   </a:txBody>
-                  <a:tcPr marL="68580" marR="68580" marT="0" marB="0" vert="horz" anchor="t" anchorCtr="0"/>
+                  <a:tcPr marL="68580" marR="68580" marT="0" marB="0"/>
                 </a:tc>
               </a:tr>
             </a:tbl>
@@ -7385,7 +7374,7 @@
         </p:nvGraphicFramePr>
         <p:xfrm>
           <a:off x="1251426" y="1530543"/>
-          <a:ext cx="5867400" cy="5708650"/>
+          <a:ext cx="5867400" cy="3044418"/>
         </p:xfrm>
         <a:graphic>
           <a:graphicData uri="http://schemas.openxmlformats.org/drawingml/2006/table">
@@ -7409,20 +7398,20 @@
                         <a:buNone/>
                       </a:pPr>
                       <a:r>
-                        <a:rPr lang="en-US" sz="1200" b="1">
+                        <a:rPr lang="en-US" sz="1200" b="1" dirty="0">
                           <a:latin typeface="Times New Roman" panose="02020603050405020304" pitchFamily="18" charset="0"/>
                           <a:cs typeface="Times New Roman" panose="02020603050405020304" pitchFamily="18" charset="0"/>
                         </a:rPr>
                         <a:t>FIELD </a:t>
                       </a:r>
-                      <a:endParaRPr lang="en-US" sz="1200" b="1">
+                      <a:endParaRPr lang="en-US" sz="1200" b="1" dirty="0">
                         <a:latin typeface="Times New Roman" panose="02020603050405020304" pitchFamily="18" charset="0"/>
                         <a:ea typeface="Times New Roman" panose="02020603050405020304" pitchFamily="18" charset="0"/>
                         <a:cs typeface="Times New Roman" panose="02020603050405020304" pitchFamily="18" charset="0"/>
                       </a:endParaRPr>
                     </a:p>
                   </a:txBody>
-                  <a:tcPr marL="68580" marR="68580" marT="0" marB="0" vert="horz" anchor="t" anchorCtr="0"/>
+                  <a:tcPr marL="68580" marR="68580" marT="0" marB="0"/>
                 </a:tc>
                 <a:tc>
                   <a:txBody>
@@ -7446,7 +7435,7 @@
                       </a:endParaRPr>
                     </a:p>
                   </a:txBody>
-                  <a:tcPr marL="68580" marR="68580" marT="0" marB="0" vert="horz" anchor="t" anchorCtr="0"/>
+                  <a:tcPr marL="68580" marR="68580" marT="0" marB="0"/>
                 </a:tc>
                 <a:tc>
                   <a:txBody>
@@ -7470,7 +7459,7 @@
                       </a:endParaRPr>
                     </a:p>
                   </a:txBody>
-                  <a:tcPr marL="68580" marR="68580" marT="0" marB="0" vert="horz" anchor="t" anchorCtr="0"/>
+                  <a:tcPr marL="68580" marR="68580" marT="0" marB="0"/>
                 </a:tc>
                 <a:tc>
                   <a:txBody>
@@ -7494,7 +7483,7 @@
                       </a:endParaRPr>
                     </a:p>
                   </a:txBody>
-                  <a:tcPr marL="68580" marR="68580" marT="0" marB="0" vert="horz" anchor="t" anchorCtr="0"/>
+                  <a:tcPr marL="68580" marR="68580" marT="0" marB="0"/>
                 </a:tc>
               </a:tr>
               <a:tr h="380579">
@@ -7507,20 +7496,20 @@
                         <a:buNone/>
                       </a:pPr>
                       <a:r>
-                        <a:rPr lang="en-US" sz="1200" b="0">
+                        <a:rPr lang="en-US" sz="1200" b="0" dirty="0">
                           <a:latin typeface="Times New Roman" panose="02020603050405020304" pitchFamily="18" charset="0"/>
                           <a:cs typeface="Times New Roman" panose="02020603050405020304" pitchFamily="18" charset="0"/>
                         </a:rPr>
                         <a:t>Customer id</a:t>
                       </a:r>
-                      <a:endParaRPr lang="en-US" sz="1200" b="0">
+                      <a:endParaRPr lang="en-US" sz="1200" b="0" dirty="0">
                         <a:latin typeface="Times New Roman" panose="02020603050405020304" pitchFamily="18" charset="0"/>
                         <a:ea typeface="Times New Roman" panose="02020603050405020304" pitchFamily="18" charset="0"/>
                         <a:cs typeface="Times New Roman" panose="02020603050405020304" pitchFamily="18" charset="0"/>
                       </a:endParaRPr>
                     </a:p>
                   </a:txBody>
-                  <a:tcPr marL="68580" marR="68580" marT="0" marB="0" vert="horz" anchor="t" anchorCtr="0"/>
+                  <a:tcPr marL="68580" marR="68580" marT="0" marB="0"/>
                 </a:tc>
                 <a:tc>
                   <a:txBody>
@@ -7531,20 +7520,20 @@
                         <a:buNone/>
                       </a:pPr>
                       <a:r>
-                        <a:rPr lang="en-US" sz="1200" b="0">
+                        <a:rPr lang="en-US" sz="1200" b="0" dirty="0" err="1">
                           <a:latin typeface="Times New Roman" panose="02020603050405020304" pitchFamily="18" charset="0"/>
                           <a:cs typeface="Times New Roman" panose="02020603050405020304" pitchFamily="18" charset="0"/>
                         </a:rPr>
                         <a:t>Int</a:t>
                       </a:r>
-                      <a:endParaRPr lang="en-US" sz="1200" b="0">
+                      <a:endParaRPr lang="en-US" sz="1200" b="0" dirty="0">
                         <a:latin typeface="Times New Roman" panose="02020603050405020304" pitchFamily="18" charset="0"/>
                         <a:ea typeface="Times New Roman" panose="02020603050405020304" pitchFamily="18" charset="0"/>
                         <a:cs typeface="Times New Roman" panose="02020603050405020304" pitchFamily="18" charset="0"/>
                       </a:endParaRPr>
                     </a:p>
                   </a:txBody>
-                  <a:tcPr marL="68580" marR="68580" marT="0" marB="0" vert="horz" anchor="t" anchorCtr="0"/>
+                  <a:tcPr marL="68580" marR="68580" marT="0" marB="0"/>
                 </a:tc>
                 <a:tc>
                   <a:txBody>
@@ -7568,7 +7557,7 @@
                       </a:endParaRPr>
                     </a:p>
                   </a:txBody>
-                  <a:tcPr marL="68580" marR="68580" marT="0" marB="0" vert="horz" anchor="t" anchorCtr="0"/>
+                  <a:tcPr marL="68580" marR="68580" marT="0" marB="0"/>
                 </a:tc>
                 <a:tc>
                   <a:txBody>
@@ -7592,13 +7581,14 @@
                       </a:endParaRPr>
                     </a:p>
                   </a:txBody>
-                  <a:tcPr marL="68580" marR="68580" marT="0" marB="0" vert="horz" anchor="t" anchorCtr="0"/>
+                  <a:tcPr marL="68580" marR="68580" marT="0" marB="0"/>
                 </a:tc>
               </a:tr>
               <a:tr h="380579">
                 <a:tc>
                   <a:txBody>
                     <a:bodyPr/>
+                    <a:lstStyle/>
                     <a:p>
                       <a:pPr indent="0">
                         <a:buNone/>
@@ -7617,34 +7607,36 @@
                       </a:endParaRPr>
                     </a:p>
                   </a:txBody>
-                  <a:tcPr marL="68580" marR="68580" marT="0" marB="0" vert="horz" anchor="t" anchorCtr="0"/>
+                  <a:tcPr marL="68580" marR="68580" marT="0" marB="0"/>
                 </a:tc>
                 <a:tc>
                   <a:txBody>
                     <a:bodyPr/>
+                    <a:lstStyle/>
                     <a:p>
                       <a:pPr indent="0">
                         <a:buNone/>
                       </a:pPr>
                       <a:r>
-                        <a:rPr lang="en-US" sz="1200" b="0">
+                        <a:rPr lang="en-US" sz="1200" b="0" dirty="0">
                           <a:latin typeface="Times New Roman" panose="02020603050405020304" pitchFamily="18" charset="0"/>
                           <a:cs typeface="Times New Roman" panose="02020603050405020304" pitchFamily="18" charset="0"/>
                         </a:rPr>
                         <a:t>Varchar</a:t>
                       </a:r>
-                      <a:endParaRPr lang="en-US" sz="1200" b="0">
+                      <a:endParaRPr lang="en-US" sz="1200" b="0" dirty="0">
                         <a:latin typeface="Times New Roman" panose="02020603050405020304" pitchFamily="18" charset="0"/>
                         <a:ea typeface="Times New Roman" panose="02020603050405020304" pitchFamily="18" charset="0"/>
                         <a:cs typeface="Times New Roman" panose="02020603050405020304" pitchFamily="18" charset="0"/>
                       </a:endParaRPr>
                     </a:p>
                   </a:txBody>
-                  <a:tcPr marL="68580" marR="68580" marT="0" marB="0" vert="horz" anchor="t" anchorCtr="0"/>
+                  <a:tcPr marL="68580" marR="68580" marT="0" marB="0"/>
                 </a:tc>
                 <a:tc>
                   <a:txBody>
                     <a:bodyPr/>
+                    <a:lstStyle/>
                     <a:p>
                       <a:pPr indent="0">
                         <a:buNone/>
@@ -7663,11 +7655,12 @@
                       </a:endParaRPr>
                     </a:p>
                   </a:txBody>
-                  <a:tcPr marL="68580" marR="68580" marT="0" marB="0" vert="horz" anchor="t" anchorCtr="0"/>
+                  <a:tcPr marL="68580" marR="68580" marT="0" marB="0"/>
                 </a:tc>
                 <a:tc>
                   <a:txBody>
                     <a:bodyPr/>
+                    <a:lstStyle/>
                     <a:p>
                       <a:pPr indent="0">
                         <a:buNone/>
@@ -7686,13 +7679,14 @@
                       </a:endParaRPr>
                     </a:p>
                   </a:txBody>
-                  <a:tcPr marL="68580" marR="68580" marT="0" marB="0" vert="horz" anchor="t" anchorCtr="0"/>
+                  <a:tcPr marL="68580" marR="68580" marT="0" marB="0"/>
                 </a:tc>
               </a:tr>
               <a:tr h="380579">
                 <a:tc>
                   <a:txBody>
                     <a:bodyPr/>
+                    <a:lstStyle/>
                     <a:p>
                       <a:pPr indent="0">
                         <a:buNone/>
@@ -7711,11 +7705,306 @@
                       </a:endParaRPr>
                     </a:p>
                   </a:txBody>
-                  <a:tcPr marL="68580" marR="68580" marT="0" marB="0" vert="horz" anchor="t" anchorCtr="0"/>
+                  <a:tcPr marL="68580" marR="68580" marT="0" marB="0"/>
                 </a:tc>
                 <a:tc>
                   <a:txBody>
                     <a:bodyPr/>
+                    <a:lstStyle/>
+                    <a:p>
+                      <a:pPr indent="0">
+                        <a:buNone/>
+                      </a:pPr>
+                      <a:r>
+                        <a:rPr lang="en-US" sz="1200" b="0" dirty="0">
+                          <a:latin typeface="Times New Roman" panose="02020603050405020304" pitchFamily="18" charset="0"/>
+                          <a:cs typeface="Times New Roman" panose="02020603050405020304" pitchFamily="18" charset="0"/>
+                        </a:rPr>
+                        <a:t>Varchar </a:t>
+                      </a:r>
+                      <a:endParaRPr lang="en-US" sz="1200" b="0" dirty="0">
+                        <a:latin typeface="Times New Roman" panose="02020603050405020304" pitchFamily="18" charset="0"/>
+                        <a:ea typeface="Times New Roman" panose="02020603050405020304" pitchFamily="18" charset="0"/>
+                        <a:cs typeface="Times New Roman" panose="02020603050405020304" pitchFamily="18" charset="0"/>
+                      </a:endParaRPr>
+                    </a:p>
+                  </a:txBody>
+                  <a:tcPr marL="68580" marR="68580" marT="0" marB="0"/>
+                </a:tc>
+                <a:tc>
+                  <a:txBody>
+                    <a:bodyPr/>
+                    <a:lstStyle/>
+                    <a:p>
+                      <a:pPr indent="0">
+                        <a:buNone/>
+                      </a:pPr>
+                      <a:r>
+                        <a:rPr lang="en-IN" altLang="en-US" sz="1200" b="0" dirty="0">
+                          <a:latin typeface="Times New Roman" panose="02020603050405020304" pitchFamily="18" charset="0"/>
+                          <a:cs typeface="Times New Roman" panose="02020603050405020304" pitchFamily="18" charset="0"/>
+                        </a:rPr>
+                        <a:t>30</a:t>
+                      </a:r>
+                      <a:endParaRPr lang="en-IN" altLang="en-US" sz="1200" b="0" dirty="0">
+                        <a:latin typeface="Times New Roman" panose="02020603050405020304" pitchFamily="18" charset="0"/>
+                        <a:ea typeface="Times New Roman" panose="02020603050405020304" pitchFamily="18" charset="0"/>
+                        <a:cs typeface="Times New Roman" panose="02020603050405020304" pitchFamily="18" charset="0"/>
+                      </a:endParaRPr>
+                    </a:p>
+                  </a:txBody>
+                  <a:tcPr marL="68580" marR="68580" marT="0" marB="0"/>
+                </a:tc>
+                <a:tc>
+                  <a:txBody>
+                    <a:bodyPr/>
+                    <a:lstStyle/>
+                    <a:p>
+                      <a:pPr indent="0">
+                        <a:buNone/>
+                      </a:pPr>
+                      <a:r>
+                        <a:rPr lang="en-US" sz="1200" b="0">
+                          <a:latin typeface="Times New Roman" panose="02020603050405020304" pitchFamily="18" charset="0"/>
+                          <a:cs typeface="Times New Roman" panose="02020603050405020304" pitchFamily="18" charset="0"/>
+                        </a:rPr>
+                        <a:t>Not null</a:t>
+                      </a:r>
+                      <a:endParaRPr lang="en-US" sz="1200" b="0">
+                        <a:latin typeface="Times New Roman" panose="02020603050405020304" pitchFamily="18" charset="0"/>
+                        <a:ea typeface="Times New Roman" panose="02020603050405020304" pitchFamily="18" charset="0"/>
+                        <a:cs typeface="Times New Roman" panose="02020603050405020304" pitchFamily="18" charset="0"/>
+                      </a:endParaRPr>
+                    </a:p>
+                  </a:txBody>
+                  <a:tcPr marL="68580" marR="68580" marT="0" marB="0"/>
+                </a:tc>
+              </a:tr>
+              <a:tr h="380579">
+                <a:tc>
+                  <a:txBody>
+                    <a:bodyPr/>
+                    <a:lstStyle/>
+                    <a:p>
+                      <a:pPr indent="0">
+                        <a:buNone/>
+                      </a:pPr>
+                      <a:r>
+                        <a:rPr lang="en-IN" altLang="en-US" sz="1200" b="0">
+                          <a:latin typeface="Times New Roman" panose="02020603050405020304" pitchFamily="18" charset="0"/>
+                          <a:cs typeface="Times New Roman" panose="02020603050405020304" pitchFamily="18" charset="0"/>
+                        </a:rPr>
+                        <a:t>Password</a:t>
+                      </a:r>
+                      <a:endParaRPr lang="en-IN" altLang="en-US" sz="1200" b="0">
+                        <a:latin typeface="Times New Roman" panose="02020603050405020304" pitchFamily="18" charset="0"/>
+                        <a:ea typeface="Times New Roman" panose="02020603050405020304" pitchFamily="18" charset="0"/>
+                        <a:cs typeface="Times New Roman" panose="02020603050405020304" pitchFamily="18" charset="0"/>
+                      </a:endParaRPr>
+                    </a:p>
+                  </a:txBody>
+                  <a:tcPr marL="68580" marR="68580" marT="0" marB="0"/>
+                </a:tc>
+                <a:tc>
+                  <a:txBody>
+                    <a:bodyPr/>
+                    <a:lstStyle/>
+                    <a:p>
+                      <a:pPr indent="0">
+                        <a:buNone/>
+                      </a:pPr>
+                      <a:r>
+                        <a:rPr lang="en-IN" altLang="en-US" sz="1200" b="0">
+                          <a:latin typeface="Times New Roman" panose="02020603050405020304" pitchFamily="18" charset="0"/>
+                          <a:cs typeface="Times New Roman" panose="02020603050405020304" pitchFamily="18" charset="0"/>
+                        </a:rPr>
+                        <a:t>Varchar</a:t>
+                      </a:r>
+                      <a:endParaRPr lang="en-IN" altLang="en-US" sz="1200" b="0">
+                        <a:latin typeface="Times New Roman" panose="02020603050405020304" pitchFamily="18" charset="0"/>
+                        <a:ea typeface="Times New Roman" panose="02020603050405020304" pitchFamily="18" charset="0"/>
+                        <a:cs typeface="Times New Roman" panose="02020603050405020304" pitchFamily="18" charset="0"/>
+                      </a:endParaRPr>
+                    </a:p>
+                  </a:txBody>
+                  <a:tcPr marL="68580" marR="68580" marT="0" marB="0"/>
+                </a:tc>
+                <a:tc>
+                  <a:txBody>
+                    <a:bodyPr/>
+                    <a:lstStyle/>
+                    <a:p>
+                      <a:pPr indent="0">
+                        <a:buNone/>
+                      </a:pPr>
+                      <a:r>
+                        <a:rPr lang="en-IN" altLang="en-US" sz="1200" b="0" dirty="0">
+                          <a:latin typeface="Times New Roman" panose="02020603050405020304" pitchFamily="18" charset="0"/>
+                          <a:cs typeface="Times New Roman" panose="02020603050405020304" pitchFamily="18" charset="0"/>
+                        </a:rPr>
+                        <a:t>30</a:t>
+                      </a:r>
+                      <a:endParaRPr lang="en-IN" altLang="en-US" sz="1200" b="0" dirty="0">
+                        <a:latin typeface="Times New Roman" panose="02020603050405020304" pitchFamily="18" charset="0"/>
+                        <a:ea typeface="Times New Roman" panose="02020603050405020304" pitchFamily="18" charset="0"/>
+                        <a:cs typeface="Times New Roman" panose="02020603050405020304" pitchFamily="18" charset="0"/>
+                      </a:endParaRPr>
+                    </a:p>
+                  </a:txBody>
+                  <a:tcPr marL="68580" marR="68580" marT="0" marB="0"/>
+                </a:tc>
+                <a:tc>
+                  <a:txBody>
+                    <a:bodyPr/>
+                    <a:lstStyle/>
+                    <a:p>
+                      <a:pPr indent="0">
+                        <a:buNone/>
+                      </a:pPr>
+                      <a:r>
+                        <a:rPr lang="en-US" sz="1200" b="0">
+                          <a:latin typeface="Times New Roman" panose="02020603050405020304" pitchFamily="18" charset="0"/>
+                          <a:cs typeface="Times New Roman" panose="02020603050405020304" pitchFamily="18" charset="0"/>
+                        </a:rPr>
+                        <a:t>Not null</a:t>
+                      </a:r>
+                      <a:endParaRPr lang="en-US" sz="1200" b="0">
+                        <a:latin typeface="Times New Roman" panose="02020603050405020304" pitchFamily="18" charset="0"/>
+                        <a:ea typeface="Times New Roman" panose="02020603050405020304" pitchFamily="18" charset="0"/>
+                        <a:cs typeface="Times New Roman" panose="02020603050405020304" pitchFamily="18" charset="0"/>
+                      </a:endParaRPr>
+                    </a:p>
+                  </a:txBody>
+                  <a:tcPr marL="68580" marR="68580" marT="0" marB="0"/>
+                </a:tc>
+              </a:tr>
+              <a:tr h="380579">
+                <a:tc>
+                  <a:txBody>
+                    <a:bodyPr/>
+                    <a:lstStyle/>
+                    <a:p>
+                      <a:pPr indent="0">
+                        <a:buNone/>
+                      </a:pPr>
+                      <a:r>
+                        <a:rPr lang="en-IN" altLang="en-US" sz="1200" b="0">
+                          <a:latin typeface="Times New Roman" panose="02020603050405020304" pitchFamily="18" charset="0"/>
+                          <a:cs typeface="Times New Roman" panose="02020603050405020304" pitchFamily="18" charset="0"/>
+                        </a:rPr>
+                        <a:t>Email</a:t>
+                      </a:r>
+                      <a:endParaRPr lang="en-IN" altLang="en-US" sz="1200" b="0">
+                        <a:latin typeface="Times New Roman" panose="02020603050405020304" pitchFamily="18" charset="0"/>
+                        <a:ea typeface="Times New Roman" panose="02020603050405020304" pitchFamily="18" charset="0"/>
+                        <a:cs typeface="Times New Roman" panose="02020603050405020304" pitchFamily="18" charset="0"/>
+                      </a:endParaRPr>
+                    </a:p>
+                  </a:txBody>
+                  <a:tcPr marL="68580" marR="68580" marT="0" marB="0"/>
+                </a:tc>
+                <a:tc>
+                  <a:txBody>
+                    <a:bodyPr/>
+                    <a:lstStyle/>
+                    <a:p>
+                      <a:pPr indent="0">
+                        <a:buNone/>
+                      </a:pPr>
+                      <a:r>
+                        <a:rPr lang="en-IN" altLang="en-US" sz="1200" b="0">
+                          <a:latin typeface="Times New Roman" panose="02020603050405020304" pitchFamily="18" charset="0"/>
+                          <a:cs typeface="Times New Roman" panose="02020603050405020304" pitchFamily="18" charset="0"/>
+                        </a:rPr>
+                        <a:t>Varchar</a:t>
+                      </a:r>
+                      <a:endParaRPr lang="en-IN" altLang="en-US" sz="1200" b="0">
+                        <a:latin typeface="Times New Roman" panose="02020603050405020304" pitchFamily="18" charset="0"/>
+                        <a:ea typeface="Times New Roman" panose="02020603050405020304" pitchFamily="18" charset="0"/>
+                        <a:cs typeface="Times New Roman" panose="02020603050405020304" pitchFamily="18" charset="0"/>
+                      </a:endParaRPr>
+                    </a:p>
+                  </a:txBody>
+                  <a:tcPr marL="68580" marR="68580" marT="0" marB="0"/>
+                </a:tc>
+                <a:tc>
+                  <a:txBody>
+                    <a:bodyPr/>
+                    <a:lstStyle/>
+                    <a:p>
+                      <a:pPr indent="0">
+                        <a:buNone/>
+                      </a:pPr>
+                      <a:r>
+                        <a:rPr lang="en-IN" altLang="en-US" sz="1200" b="0" dirty="0">
+                          <a:latin typeface="Times New Roman" panose="02020603050405020304" pitchFamily="18" charset="0"/>
+                          <a:cs typeface="Times New Roman" panose="02020603050405020304" pitchFamily="18" charset="0"/>
+                        </a:rPr>
+                        <a:t>30</a:t>
+                      </a:r>
+                      <a:endParaRPr lang="en-IN" altLang="en-US" sz="1200" b="0" dirty="0">
+                        <a:latin typeface="Times New Roman" panose="02020603050405020304" pitchFamily="18" charset="0"/>
+                        <a:ea typeface="Times New Roman" panose="02020603050405020304" pitchFamily="18" charset="0"/>
+                        <a:cs typeface="Times New Roman" panose="02020603050405020304" pitchFamily="18" charset="0"/>
+                      </a:endParaRPr>
+                    </a:p>
+                  </a:txBody>
+                  <a:tcPr marL="68580" marR="68580" marT="0" marB="0"/>
+                </a:tc>
+                <a:tc>
+                  <a:txBody>
+                    <a:bodyPr/>
+                    <a:lstStyle/>
+                    <a:p>
+                      <a:pPr indent="0">
+                        <a:buNone/>
+                      </a:pPr>
+                      <a:r>
+                        <a:rPr lang="en-US" sz="1200" b="0" dirty="0">
+                          <a:latin typeface="Times New Roman" panose="02020603050405020304" pitchFamily="18" charset="0"/>
+                          <a:cs typeface="Times New Roman" panose="02020603050405020304" pitchFamily="18" charset="0"/>
+                        </a:rPr>
+                        <a:t>Not null</a:t>
+                      </a:r>
+                      <a:endParaRPr lang="en-US" sz="1200" b="0" dirty="0">
+                        <a:latin typeface="Times New Roman" panose="02020603050405020304" pitchFamily="18" charset="0"/>
+                        <a:ea typeface="Times New Roman" panose="02020603050405020304" pitchFamily="18" charset="0"/>
+                        <a:cs typeface="Times New Roman" panose="02020603050405020304" pitchFamily="18" charset="0"/>
+                      </a:endParaRPr>
+                    </a:p>
+                  </a:txBody>
+                  <a:tcPr marL="68580" marR="68580" marT="0" marB="0"/>
+                </a:tc>
+              </a:tr>
+              <a:tr h="380579">
+                <a:tc>
+                  <a:txBody>
+                    <a:bodyPr/>
+                    <a:lstStyle/>
+                    <a:p>
+                      <a:pPr indent="0">
+                        <a:buNone/>
+                      </a:pPr>
+                      <a:r>
+                        <a:rPr lang="en-IN" altLang="en-US" sz="1200" b="0">
+                          <a:latin typeface="Times New Roman" panose="02020603050405020304" pitchFamily="18" charset="0"/>
+                          <a:cs typeface="Times New Roman" panose="02020603050405020304" pitchFamily="18" charset="0"/>
+                        </a:rPr>
+                        <a:t>Contact </a:t>
+                      </a:r>
+                      <a:endParaRPr lang="en-IN" altLang="en-US" sz="1200" b="0">
+                        <a:latin typeface="Times New Roman" panose="02020603050405020304" pitchFamily="18" charset="0"/>
+                        <a:ea typeface="Times New Roman" panose="02020603050405020304" pitchFamily="18" charset="0"/>
+                        <a:cs typeface="Times New Roman" panose="02020603050405020304" pitchFamily="18" charset="0"/>
+                      </a:endParaRPr>
+                    </a:p>
+                  </a:txBody>
+                  <a:tcPr marL="68580" marR="68580" marT="0" marB="0"/>
+                </a:tc>
+                <a:tc>
+                  <a:txBody>
+                    <a:bodyPr/>
+                    <a:lstStyle/>
                     <a:p>
                       <a:pPr indent="0">
                         <a:buNone/>
@@ -7734,11 +8023,12 @@
                       </a:endParaRPr>
                     </a:p>
                   </a:txBody>
-                  <a:tcPr marL="68580" marR="68580" marT="0" marB="0" vert="horz" anchor="t" anchorCtr="0"/>
+                  <a:tcPr marL="68580" marR="68580" marT="0" marB="0"/>
                 </a:tc>
                 <a:tc>
                   <a:txBody>
                     <a:bodyPr/>
+                    <a:lstStyle/>
                     <a:p>
                       <a:pPr indent="0">
                         <a:buNone/>
@@ -7757,36 +8047,38 @@
                       </a:endParaRPr>
                     </a:p>
                   </a:txBody>
-                  <a:tcPr marL="68580" marR="68580" marT="0" marB="0" vert="horz" anchor="t" anchorCtr="0"/>
+                  <a:tcPr marL="68580" marR="68580" marT="0" marB="0"/>
                 </a:tc>
                 <a:tc>
                   <a:txBody>
                     <a:bodyPr/>
+                    <a:lstStyle/>
                     <a:p>
                       <a:pPr indent="0">
                         <a:buNone/>
                       </a:pPr>
                       <a:r>
-                        <a:rPr lang="en-US" sz="1200" b="0">
+                        <a:rPr lang="en-US" sz="1200" b="0" dirty="0">
                           <a:latin typeface="Times New Roman" panose="02020603050405020304" pitchFamily="18" charset="0"/>
                           <a:cs typeface="Times New Roman" panose="02020603050405020304" pitchFamily="18" charset="0"/>
                         </a:rPr>
                         <a:t>Not null</a:t>
                       </a:r>
-                      <a:endParaRPr lang="en-US" sz="1200" b="0">
+                      <a:endParaRPr lang="en-US" sz="1200" b="0" dirty="0">
                         <a:latin typeface="Times New Roman" panose="02020603050405020304" pitchFamily="18" charset="0"/>
                         <a:ea typeface="Times New Roman" panose="02020603050405020304" pitchFamily="18" charset="0"/>
                         <a:cs typeface="Times New Roman" panose="02020603050405020304" pitchFamily="18" charset="0"/>
                       </a:endParaRPr>
                     </a:p>
                   </a:txBody>
-                  <a:tcPr marL="68580" marR="68580" marT="0" marB="0" vert="horz" anchor="t" anchorCtr="0"/>
+                  <a:tcPr marL="68580" marR="68580" marT="0" marB="0"/>
                 </a:tc>
               </a:tr>
               <a:tr h="380579">
                 <a:tc>
                   <a:txBody>
                     <a:bodyPr/>
+                    <a:lstStyle/>
                     <a:p>
                       <a:pPr indent="0">
                         <a:buNone/>
@@ -7796,7 +8088,7 @@
                           <a:latin typeface="Times New Roman" panose="02020603050405020304" pitchFamily="18" charset="0"/>
                           <a:cs typeface="Times New Roman" panose="02020603050405020304" pitchFamily="18" charset="0"/>
                         </a:rPr>
-                        <a:t>Password</a:t>
+                        <a:t>Address</a:t>
                       </a:r>
                       <a:endParaRPr lang="en-IN" altLang="en-US" sz="1200" b="0">
                         <a:latin typeface="Times New Roman" panose="02020603050405020304" pitchFamily="18" charset="0"/>
@@ -7805,11 +8097,12 @@
                       </a:endParaRPr>
                     </a:p>
                   </a:txBody>
-                  <a:tcPr marL="68580" marR="68580" marT="0" marB="0" vert="horz" anchor="t" anchorCtr="0"/>
+                  <a:tcPr marL="68580" marR="68580" marT="0" marB="0"/>
                 </a:tc>
                 <a:tc>
                   <a:txBody>
                     <a:bodyPr/>
+                    <a:lstStyle/>
                     <a:p>
                       <a:pPr indent="0">
                         <a:buNone/>
@@ -7828,293 +8121,12 @@
                       </a:endParaRPr>
                     </a:p>
                   </a:txBody>
-                  <a:tcPr marL="68580" marR="68580" marT="0" marB="0" vert="horz" anchor="t" anchorCtr="0"/>
+                  <a:tcPr marL="68580" marR="68580" marT="0" marB="0"/>
                 </a:tc>
                 <a:tc>
                   <a:txBody>
                     <a:bodyPr/>
-                    <a:p>
-                      <a:pPr indent="0">
-                        <a:buNone/>
-                      </a:pPr>
-                      <a:r>
-                        <a:rPr lang="en-IN" altLang="en-US" sz="1200" b="0">
-                          <a:latin typeface="Times New Roman" panose="02020603050405020304" pitchFamily="18" charset="0"/>
-                          <a:cs typeface="Times New Roman" panose="02020603050405020304" pitchFamily="18" charset="0"/>
-                        </a:rPr>
-                        <a:t>30</a:t>
-                      </a:r>
-                      <a:endParaRPr lang="en-IN" altLang="en-US" sz="1200" b="0">
-                        <a:latin typeface="Times New Roman" panose="02020603050405020304" pitchFamily="18" charset="0"/>
-                        <a:ea typeface="Times New Roman" panose="02020603050405020304" pitchFamily="18" charset="0"/>
-                        <a:cs typeface="Times New Roman" panose="02020603050405020304" pitchFamily="18" charset="0"/>
-                      </a:endParaRPr>
-                    </a:p>
-                  </a:txBody>
-                  <a:tcPr marL="68580" marR="68580" marT="0" marB="0" vert="horz" anchor="t" anchorCtr="0"/>
-                </a:tc>
-                <a:tc>
-                  <a:txBody>
-                    <a:bodyPr/>
-                    <a:p>
-                      <a:pPr indent="0">
-                        <a:buNone/>
-                      </a:pPr>
-                      <a:r>
-                        <a:rPr lang="en-US" sz="1200" b="0">
-                          <a:latin typeface="Times New Roman" panose="02020603050405020304" pitchFamily="18" charset="0"/>
-                          <a:cs typeface="Times New Roman" panose="02020603050405020304" pitchFamily="18" charset="0"/>
-                        </a:rPr>
-                        <a:t>Not null</a:t>
-                      </a:r>
-                      <a:endParaRPr lang="en-US" sz="1200" b="0">
-                        <a:latin typeface="Times New Roman" panose="02020603050405020304" pitchFamily="18" charset="0"/>
-                        <a:ea typeface="Times New Roman" panose="02020603050405020304" pitchFamily="18" charset="0"/>
-                        <a:cs typeface="Times New Roman" panose="02020603050405020304" pitchFamily="18" charset="0"/>
-                      </a:endParaRPr>
-                    </a:p>
-                  </a:txBody>
-                  <a:tcPr marL="68580" marR="68580" marT="0" marB="0" vert="horz" anchor="t" anchorCtr="0"/>
-                </a:tc>
-              </a:tr>
-              <a:tr h="380579">
-                <a:tc>
-                  <a:txBody>
-                    <a:bodyPr/>
-                    <a:p>
-                      <a:pPr indent="0">
-                        <a:buNone/>
-                      </a:pPr>
-                      <a:r>
-                        <a:rPr lang="en-IN" altLang="en-US" sz="1200" b="0">
-                          <a:latin typeface="Times New Roman" panose="02020603050405020304" pitchFamily="18" charset="0"/>
-                          <a:cs typeface="Times New Roman" panose="02020603050405020304" pitchFamily="18" charset="0"/>
-                        </a:rPr>
-                        <a:t>Email</a:t>
-                      </a:r>
-                      <a:endParaRPr lang="en-IN" altLang="en-US" sz="1200" b="0">
-                        <a:latin typeface="Times New Roman" panose="02020603050405020304" pitchFamily="18" charset="0"/>
-                        <a:ea typeface="Times New Roman" panose="02020603050405020304" pitchFamily="18" charset="0"/>
-                        <a:cs typeface="Times New Roman" panose="02020603050405020304" pitchFamily="18" charset="0"/>
-                      </a:endParaRPr>
-                    </a:p>
-                  </a:txBody>
-                  <a:tcPr marL="68580" marR="68580" marT="0" marB="0" vert="horz" anchor="t" anchorCtr="0"/>
-                </a:tc>
-                <a:tc>
-                  <a:txBody>
-                    <a:bodyPr/>
-                    <a:p>
-                      <a:pPr indent="0">
-                        <a:buNone/>
-                      </a:pPr>
-                      <a:r>
-                        <a:rPr lang="en-IN" altLang="en-US" sz="1200" b="0">
-                          <a:latin typeface="Times New Roman" panose="02020603050405020304" pitchFamily="18" charset="0"/>
-                          <a:cs typeface="Times New Roman" panose="02020603050405020304" pitchFamily="18" charset="0"/>
-                        </a:rPr>
-                        <a:t>Varchar</a:t>
-                      </a:r>
-                      <a:endParaRPr lang="en-IN" altLang="en-US" sz="1200" b="0">
-                        <a:latin typeface="Times New Roman" panose="02020603050405020304" pitchFamily="18" charset="0"/>
-                        <a:ea typeface="Times New Roman" panose="02020603050405020304" pitchFamily="18" charset="0"/>
-                        <a:cs typeface="Times New Roman" panose="02020603050405020304" pitchFamily="18" charset="0"/>
-                      </a:endParaRPr>
-                    </a:p>
-                  </a:txBody>
-                  <a:tcPr marL="68580" marR="68580" marT="0" marB="0" vert="horz" anchor="t" anchorCtr="0"/>
-                </a:tc>
-                <a:tc>
-                  <a:txBody>
-                    <a:bodyPr/>
-                    <a:p>
-                      <a:pPr indent="0">
-                        <a:buNone/>
-                      </a:pPr>
-                      <a:r>
-                        <a:rPr lang="en-IN" altLang="en-US" sz="1200" b="0">
-                          <a:latin typeface="Times New Roman" panose="02020603050405020304" pitchFamily="18" charset="0"/>
-                          <a:cs typeface="Times New Roman" panose="02020603050405020304" pitchFamily="18" charset="0"/>
-                        </a:rPr>
-                        <a:t>30</a:t>
-                      </a:r>
-                      <a:endParaRPr lang="en-IN" altLang="en-US" sz="1200" b="0">
-                        <a:latin typeface="Times New Roman" panose="02020603050405020304" pitchFamily="18" charset="0"/>
-                        <a:ea typeface="Times New Roman" panose="02020603050405020304" pitchFamily="18" charset="0"/>
-                        <a:cs typeface="Times New Roman" panose="02020603050405020304" pitchFamily="18" charset="0"/>
-                      </a:endParaRPr>
-                    </a:p>
-                  </a:txBody>
-                  <a:tcPr marL="68580" marR="68580" marT="0" marB="0" vert="horz" anchor="t" anchorCtr="0"/>
-                </a:tc>
-                <a:tc>
-                  <a:txBody>
-                    <a:bodyPr/>
-                    <a:p>
-                      <a:pPr indent="0">
-                        <a:buNone/>
-                      </a:pPr>
-                      <a:r>
-                        <a:rPr lang="en-US" sz="1200" b="0">
-                          <a:latin typeface="Times New Roman" panose="02020603050405020304" pitchFamily="18" charset="0"/>
-                          <a:cs typeface="Times New Roman" panose="02020603050405020304" pitchFamily="18" charset="0"/>
-                        </a:rPr>
-                        <a:t>Not null</a:t>
-                      </a:r>
-                      <a:endParaRPr lang="en-US" sz="1200" b="0">
-                        <a:latin typeface="Times New Roman" panose="02020603050405020304" pitchFamily="18" charset="0"/>
-                        <a:ea typeface="Times New Roman" panose="02020603050405020304" pitchFamily="18" charset="0"/>
-                        <a:cs typeface="Times New Roman" panose="02020603050405020304" pitchFamily="18" charset="0"/>
-                      </a:endParaRPr>
-                    </a:p>
-                  </a:txBody>
-                  <a:tcPr marL="68580" marR="68580" marT="0" marB="0" vert="horz" anchor="t" anchorCtr="0"/>
-                </a:tc>
-              </a:tr>
-              <a:tr h="380579">
-                <a:tc>
-                  <a:txBody>
-                    <a:bodyPr/>
-                    <a:p>
-                      <a:pPr indent="0">
-                        <a:buNone/>
-                      </a:pPr>
-                      <a:r>
-                        <a:rPr lang="en-IN" altLang="en-US" sz="1200" b="0">
-                          <a:latin typeface="Times New Roman" panose="02020603050405020304" pitchFamily="18" charset="0"/>
-                          <a:cs typeface="Times New Roman" panose="02020603050405020304" pitchFamily="18" charset="0"/>
-                        </a:rPr>
-                        <a:t>Contact </a:t>
-                      </a:r>
-                      <a:endParaRPr lang="en-IN" altLang="en-US" sz="1200" b="0">
-                        <a:latin typeface="Times New Roman" panose="02020603050405020304" pitchFamily="18" charset="0"/>
-                        <a:ea typeface="Times New Roman" panose="02020603050405020304" pitchFamily="18" charset="0"/>
-                        <a:cs typeface="Times New Roman" panose="02020603050405020304" pitchFamily="18" charset="0"/>
-                      </a:endParaRPr>
-                    </a:p>
-                  </a:txBody>
-                  <a:tcPr marL="68580" marR="68580" marT="0" marB="0" vert="horz" anchor="t" anchorCtr="0"/>
-                </a:tc>
-                <a:tc>
-                  <a:txBody>
-                    <a:bodyPr/>
-                    <a:p>
-                      <a:pPr indent="0">
-                        <a:buNone/>
-                      </a:pPr>
-                      <a:r>
-                        <a:rPr lang="en-US" sz="1200" b="0">
-                          <a:latin typeface="Times New Roman" panose="02020603050405020304" pitchFamily="18" charset="0"/>
-                          <a:cs typeface="Times New Roman" panose="02020603050405020304" pitchFamily="18" charset="0"/>
-                        </a:rPr>
-                        <a:t>Varchar </a:t>
-                      </a:r>
-                      <a:endParaRPr lang="en-US" sz="1200" b="0">
-                        <a:latin typeface="Times New Roman" panose="02020603050405020304" pitchFamily="18" charset="0"/>
-                        <a:ea typeface="Times New Roman" panose="02020603050405020304" pitchFamily="18" charset="0"/>
-                        <a:cs typeface="Times New Roman" panose="02020603050405020304" pitchFamily="18" charset="0"/>
-                      </a:endParaRPr>
-                    </a:p>
-                  </a:txBody>
-                  <a:tcPr marL="68580" marR="68580" marT="0" marB="0" vert="horz" anchor="t" anchorCtr="0"/>
-                </a:tc>
-                <a:tc>
-                  <a:txBody>
-                    <a:bodyPr/>
-                    <a:p>
-                      <a:pPr indent="0">
-                        <a:buNone/>
-                      </a:pPr>
-                      <a:r>
-                        <a:rPr lang="en-IN" altLang="en-US" sz="1200" b="0">
-                          <a:latin typeface="Times New Roman" panose="02020603050405020304" pitchFamily="18" charset="0"/>
-                          <a:cs typeface="Times New Roman" panose="02020603050405020304" pitchFamily="18" charset="0"/>
-                        </a:rPr>
-                        <a:t>30</a:t>
-                      </a:r>
-                      <a:endParaRPr lang="en-IN" altLang="en-US" sz="1200" b="0">
-                        <a:latin typeface="Times New Roman" panose="02020603050405020304" pitchFamily="18" charset="0"/>
-                        <a:ea typeface="Times New Roman" panose="02020603050405020304" pitchFamily="18" charset="0"/>
-                        <a:cs typeface="Times New Roman" panose="02020603050405020304" pitchFamily="18" charset="0"/>
-                      </a:endParaRPr>
-                    </a:p>
-                  </a:txBody>
-                  <a:tcPr marL="68580" marR="68580" marT="0" marB="0" vert="horz" anchor="t" anchorCtr="0"/>
-                </a:tc>
-                <a:tc>
-                  <a:txBody>
-                    <a:bodyPr/>
-                    <a:p>
-                      <a:pPr indent="0">
-                        <a:buNone/>
-                      </a:pPr>
-                      <a:r>
-                        <a:rPr lang="en-US" sz="1200" b="0">
-                          <a:latin typeface="Times New Roman" panose="02020603050405020304" pitchFamily="18" charset="0"/>
-                          <a:cs typeface="Times New Roman" panose="02020603050405020304" pitchFamily="18" charset="0"/>
-                        </a:rPr>
-                        <a:t>Not null</a:t>
-                      </a:r>
-                      <a:endParaRPr lang="en-US" sz="1200" b="0">
-                        <a:latin typeface="Times New Roman" panose="02020603050405020304" pitchFamily="18" charset="0"/>
-                        <a:ea typeface="Times New Roman" panose="02020603050405020304" pitchFamily="18" charset="0"/>
-                        <a:cs typeface="Times New Roman" panose="02020603050405020304" pitchFamily="18" charset="0"/>
-                      </a:endParaRPr>
-                    </a:p>
-                  </a:txBody>
-                  <a:tcPr marL="68580" marR="68580" marT="0" marB="0" vert="horz" anchor="t" anchorCtr="0"/>
-                </a:tc>
-              </a:tr>
-              <a:tr h="380579">
-                <a:tc>
-                  <a:txBody>
-                    <a:bodyPr/>
-                    <a:p>
-                      <a:pPr indent="0">
-                        <a:buNone/>
-                      </a:pPr>
-                      <a:r>
-                        <a:rPr lang="en-IN" altLang="en-US" sz="1200" b="0">
-                          <a:latin typeface="Times New Roman" panose="02020603050405020304" pitchFamily="18" charset="0"/>
-                          <a:cs typeface="Times New Roman" panose="02020603050405020304" pitchFamily="18" charset="0"/>
-                        </a:rPr>
-                        <a:t>Address</a:t>
-                      </a:r>
-                      <a:endParaRPr lang="en-IN" altLang="en-US" sz="1200" b="0">
-                        <a:latin typeface="Times New Roman" panose="02020603050405020304" pitchFamily="18" charset="0"/>
-                        <a:ea typeface="Times New Roman" panose="02020603050405020304" pitchFamily="18" charset="0"/>
-                        <a:cs typeface="Times New Roman" panose="02020603050405020304" pitchFamily="18" charset="0"/>
-                      </a:endParaRPr>
-                    </a:p>
-                  </a:txBody>
-                  <a:tcPr marL="68580" marR="68580" marT="0" marB="0" vert="horz" anchor="t" anchorCtr="0"/>
-                </a:tc>
-                <a:tc>
-                  <a:txBody>
-                    <a:bodyPr/>
-                    <a:p>
-                      <a:pPr indent="0">
-                        <a:buNone/>
-                      </a:pPr>
-                      <a:r>
-                        <a:rPr lang="en-IN" altLang="en-US" sz="1200" b="0">
-                          <a:latin typeface="Times New Roman" panose="02020603050405020304" pitchFamily="18" charset="0"/>
-                          <a:cs typeface="Times New Roman" panose="02020603050405020304" pitchFamily="18" charset="0"/>
-                        </a:rPr>
-                        <a:t>Varchar</a:t>
-                      </a:r>
-                      <a:endParaRPr lang="en-IN" altLang="en-US" sz="1200" b="0">
-                        <a:latin typeface="Times New Roman" panose="02020603050405020304" pitchFamily="18" charset="0"/>
-                        <a:ea typeface="Times New Roman" panose="02020603050405020304" pitchFamily="18" charset="0"/>
-                        <a:cs typeface="Times New Roman" panose="02020603050405020304" pitchFamily="18" charset="0"/>
-                      </a:endParaRPr>
-                    </a:p>
-                  </a:txBody>
-                  <a:tcPr marL="68580" marR="68580" marT="0" marB="0" vert="horz" anchor="t" anchorCtr="0"/>
-                </a:tc>
-                <a:tc>
-                  <a:txBody>
-                    <a:bodyPr/>
+                    <a:lstStyle/>
                     <a:p>
                       <a:pPr indent="0">
                         <a:buNone/>
@@ -8133,30 +8145,31 @@
                       </a:endParaRPr>
                     </a:p>
                   </a:txBody>
-                  <a:tcPr marL="68580" marR="68580" marT="0" marB="0" vert="horz" anchor="t" anchorCtr="0"/>
+                  <a:tcPr marL="68580" marR="68580" marT="0" marB="0"/>
                 </a:tc>
                 <a:tc>
                   <a:txBody>
                     <a:bodyPr/>
+                    <a:lstStyle/>
                     <a:p>
                       <a:pPr indent="0">
                         <a:buNone/>
                       </a:pPr>
                       <a:r>
-                        <a:rPr lang="en-US" sz="1200" b="0">
+                        <a:rPr lang="en-US" sz="1200" b="0" dirty="0">
                           <a:latin typeface="Times New Roman" panose="02020603050405020304" pitchFamily="18" charset="0"/>
                           <a:cs typeface="Times New Roman" panose="02020603050405020304" pitchFamily="18" charset="0"/>
                         </a:rPr>
                         <a:t>Not null</a:t>
                       </a:r>
-                      <a:endParaRPr lang="en-US" sz="1200" b="0">
+                      <a:endParaRPr lang="en-US" sz="1200" b="0" dirty="0">
                         <a:latin typeface="Times New Roman" panose="02020603050405020304" pitchFamily="18" charset="0"/>
                         <a:ea typeface="Times New Roman" panose="02020603050405020304" pitchFamily="18" charset="0"/>
                         <a:cs typeface="Times New Roman" panose="02020603050405020304" pitchFamily="18" charset="0"/>
                       </a:endParaRPr>
                     </a:p>
                   </a:txBody>
-                  <a:tcPr marL="68580" marR="68580" marT="0" marB="0" vert="horz" anchor="t" anchorCtr="0"/>
+                  <a:tcPr marL="68580" marR="68580" marT="0" marB="0"/>
                 </a:tc>
               </a:tr>
             </a:tbl>
@@ -8221,7 +8234,7 @@
         </p:nvGraphicFramePr>
         <p:xfrm>
           <a:off x="1079341" y="1232093"/>
-          <a:ext cx="5867400" cy="5708650"/>
+          <a:ext cx="5867400" cy="1141309"/>
         </p:xfrm>
         <a:graphic>
           <a:graphicData uri="http://schemas.openxmlformats.org/drawingml/2006/table">
@@ -8245,20 +8258,20 @@
                         <a:buNone/>
                       </a:pPr>
                       <a:r>
-                        <a:rPr lang="en-US" sz="1200" b="1">
+                        <a:rPr lang="en-US" sz="1200" b="1" dirty="0">
                           <a:latin typeface="Times New Roman" panose="02020603050405020304" pitchFamily="18" charset="0"/>
                           <a:cs typeface="Times New Roman" panose="02020603050405020304" pitchFamily="18" charset="0"/>
                         </a:rPr>
                         <a:t>FIELD </a:t>
                       </a:r>
-                      <a:endParaRPr lang="en-US" sz="1200" b="1">
+                      <a:endParaRPr lang="en-US" sz="1200" b="1" dirty="0">
                         <a:latin typeface="Times New Roman" panose="02020603050405020304" pitchFamily="18" charset="0"/>
                         <a:ea typeface="Times New Roman" panose="02020603050405020304" pitchFamily="18" charset="0"/>
                         <a:cs typeface="Times New Roman" panose="02020603050405020304" pitchFamily="18" charset="0"/>
                       </a:endParaRPr>
                     </a:p>
                   </a:txBody>
-                  <a:tcPr marL="68580" marR="68580" marT="0" marB="0" vert="horz" anchor="t" anchorCtr="0"/>
+                  <a:tcPr marL="68580" marR="68580" marT="0" marB="0"/>
                 </a:tc>
                 <a:tc>
                   <a:txBody>
@@ -8269,20 +8282,20 @@
                         <a:buNone/>
                       </a:pPr>
                       <a:r>
-                        <a:rPr lang="en-US" sz="1200" b="1">
+                        <a:rPr lang="en-US" sz="1200" b="1" dirty="0">
                           <a:latin typeface="Times New Roman" panose="02020603050405020304" pitchFamily="18" charset="0"/>
                           <a:cs typeface="Times New Roman" panose="02020603050405020304" pitchFamily="18" charset="0"/>
                         </a:rPr>
                         <a:t>DATA TYPE</a:t>
                       </a:r>
-                      <a:endParaRPr lang="en-US" sz="1200" b="1">
+                      <a:endParaRPr lang="en-US" sz="1200" b="1" dirty="0">
                         <a:latin typeface="Times New Roman" panose="02020603050405020304" pitchFamily="18" charset="0"/>
                         <a:ea typeface="Times New Roman" panose="02020603050405020304" pitchFamily="18" charset="0"/>
                         <a:cs typeface="Times New Roman" panose="02020603050405020304" pitchFamily="18" charset="0"/>
                       </a:endParaRPr>
                     </a:p>
                   </a:txBody>
-                  <a:tcPr marL="68580" marR="68580" marT="0" marB="0" vert="horz" anchor="t" anchorCtr="0"/>
+                  <a:tcPr marL="68580" marR="68580" marT="0" marB="0"/>
                 </a:tc>
                 <a:tc>
                   <a:txBody>
@@ -8306,7 +8319,7 @@
                       </a:endParaRPr>
                     </a:p>
                   </a:txBody>
-                  <a:tcPr marL="68580" marR="68580" marT="0" marB="0" vert="horz" anchor="t" anchorCtr="0"/>
+                  <a:tcPr marL="68580" marR="68580" marT="0" marB="0"/>
                 </a:tc>
                 <a:tc>
                   <a:txBody>
@@ -8330,7 +8343,7 @@
                       </a:endParaRPr>
                     </a:p>
                   </a:txBody>
-                  <a:tcPr marL="68580" marR="68580" marT="0" marB="0" vert="horz" anchor="t" anchorCtr="0"/>
+                  <a:tcPr marL="68580" marR="68580" marT="0" marB="0"/>
                 </a:tc>
               </a:tr>
               <a:tr h="380365">
@@ -8363,7 +8376,7 @@
                       </a:endParaRPr>
                     </a:p>
                   </a:txBody>
-                  <a:tcPr marL="68580" marR="68580" marT="0" marB="0" vert="horz" anchor="t" anchorCtr="0"/>
+                  <a:tcPr marL="68580" marR="68580" marT="0" marB="0"/>
                 </a:tc>
                 <a:tc>
                   <a:txBody>
@@ -8374,20 +8387,20 @@
                         <a:buNone/>
                       </a:pPr>
                       <a:r>
-                        <a:rPr lang="en-US" sz="1200" b="0">
+                        <a:rPr lang="en-US" sz="1200" b="0" dirty="0" err="1">
                           <a:latin typeface="Times New Roman" panose="02020603050405020304" pitchFamily="18" charset="0"/>
                           <a:cs typeface="Times New Roman" panose="02020603050405020304" pitchFamily="18" charset="0"/>
                         </a:rPr>
                         <a:t>Int</a:t>
                       </a:r>
-                      <a:endParaRPr lang="en-US" sz="1200" b="0">
+                      <a:endParaRPr lang="en-US" sz="1200" b="0" dirty="0">
                         <a:latin typeface="Times New Roman" panose="02020603050405020304" pitchFamily="18" charset="0"/>
                         <a:ea typeface="Times New Roman" panose="02020603050405020304" pitchFamily="18" charset="0"/>
                         <a:cs typeface="Times New Roman" panose="02020603050405020304" pitchFamily="18" charset="0"/>
                       </a:endParaRPr>
                     </a:p>
                   </a:txBody>
-                  <a:tcPr marL="68580" marR="68580" marT="0" marB="0" vert="horz" anchor="t" anchorCtr="0"/>
+                  <a:tcPr marL="68580" marR="68580" marT="0" marB="0"/>
                 </a:tc>
                 <a:tc>
                   <a:txBody>
@@ -8411,7 +8424,7 @@
                       </a:endParaRPr>
                     </a:p>
                   </a:txBody>
-                  <a:tcPr marL="68580" marR="68580" marT="0" marB="0" vert="horz" anchor="t" anchorCtr="0"/>
+                  <a:tcPr marL="68580" marR="68580" marT="0" marB="0"/>
                 </a:tc>
                 <a:tc>
                   <a:txBody>
@@ -8435,13 +8448,14 @@
                       </a:endParaRPr>
                     </a:p>
                   </a:txBody>
-                  <a:tcPr marL="68580" marR="68580" marT="0" marB="0" vert="horz" anchor="t" anchorCtr="0"/>
+                  <a:tcPr marL="68580" marR="68580" marT="0" marB="0"/>
                 </a:tc>
               </a:tr>
               <a:tr h="380579">
                 <a:tc>
                   <a:txBody>
                     <a:bodyPr/>
+                    <a:lstStyle/>
                     <a:p>
                       <a:pPr indent="0">
                         <a:buNone/>
@@ -8460,76 +8474,79 @@
                       </a:endParaRPr>
                     </a:p>
                   </a:txBody>
-                  <a:tcPr marL="68580" marR="68580" marT="0" marB="0" vert="horz" anchor="t" anchorCtr="0"/>
+                  <a:tcPr marL="68580" marR="68580" marT="0" marB="0"/>
                 </a:tc>
                 <a:tc>
                   <a:txBody>
                     <a:bodyPr/>
+                    <a:lstStyle/>
                     <a:p>
                       <a:pPr indent="0">
                         <a:buNone/>
                       </a:pPr>
                       <a:r>
-                        <a:rPr lang="en-US" sz="1200" b="0">
+                        <a:rPr lang="en-US" sz="1200" b="0" dirty="0">
                           <a:latin typeface="Times New Roman" panose="02020603050405020304" pitchFamily="18" charset="0"/>
                           <a:cs typeface="Times New Roman" panose="02020603050405020304" pitchFamily="18" charset="0"/>
                         </a:rPr>
                         <a:t>Varchar</a:t>
                       </a:r>
-                      <a:endParaRPr lang="en-US" sz="1200" b="0">
+                      <a:endParaRPr lang="en-US" sz="1200" b="0" dirty="0">
                         <a:latin typeface="Times New Roman" panose="02020603050405020304" pitchFamily="18" charset="0"/>
                         <a:ea typeface="Times New Roman" panose="02020603050405020304" pitchFamily="18" charset="0"/>
                         <a:cs typeface="Times New Roman" panose="02020603050405020304" pitchFamily="18" charset="0"/>
                       </a:endParaRPr>
                     </a:p>
                   </a:txBody>
-                  <a:tcPr marL="68580" marR="68580" marT="0" marB="0" vert="horz" anchor="t" anchorCtr="0"/>
+                  <a:tcPr marL="68580" marR="68580" marT="0" marB="0"/>
                 </a:tc>
                 <a:tc>
                   <a:txBody>
                     <a:bodyPr/>
+                    <a:lstStyle/>
                     <a:p>
                       <a:pPr indent="0">
                         <a:buNone/>
                       </a:pPr>
                       <a:r>
-                        <a:rPr lang="en-US" sz="1200" b="0">
+                        <a:rPr lang="en-US" sz="1200" b="0" dirty="0">
                           <a:latin typeface="Times New Roman" panose="02020603050405020304" pitchFamily="18" charset="0"/>
                           <a:cs typeface="Times New Roman" panose="02020603050405020304" pitchFamily="18" charset="0"/>
                         </a:rPr>
                         <a:t>20</a:t>
                       </a:r>
-                      <a:endParaRPr lang="en-US" sz="1200" b="0">
+                      <a:endParaRPr lang="en-US" sz="1200" b="0" dirty="0">
                         <a:latin typeface="Times New Roman" panose="02020603050405020304" pitchFamily="18" charset="0"/>
                         <a:ea typeface="Times New Roman" panose="02020603050405020304" pitchFamily="18" charset="0"/>
                         <a:cs typeface="Times New Roman" panose="02020603050405020304" pitchFamily="18" charset="0"/>
                       </a:endParaRPr>
                     </a:p>
                   </a:txBody>
-                  <a:tcPr marL="68580" marR="68580" marT="0" marB="0" vert="horz" anchor="t" anchorCtr="0"/>
+                  <a:tcPr marL="68580" marR="68580" marT="0" marB="0"/>
                 </a:tc>
                 <a:tc>
                   <a:txBody>
                     <a:bodyPr/>
+                    <a:lstStyle/>
                     <a:p>
                       <a:pPr indent="0">
                         <a:buNone/>
                       </a:pPr>
                       <a:r>
-                        <a:rPr lang="en-US" sz="1200" b="0">
+                        <a:rPr lang="en-US" sz="1200" b="0" dirty="0">
                           <a:latin typeface="Times New Roman" panose="02020603050405020304" pitchFamily="18" charset="0"/>
                           <a:cs typeface="Times New Roman" panose="02020603050405020304" pitchFamily="18" charset="0"/>
                         </a:rPr>
                         <a:t>Not null</a:t>
                       </a:r>
-                      <a:endParaRPr lang="en-US" sz="1200" b="0">
+                      <a:endParaRPr lang="en-US" sz="1200" b="0" dirty="0">
                         <a:latin typeface="Times New Roman" panose="02020603050405020304" pitchFamily="18" charset="0"/>
                         <a:ea typeface="Times New Roman" panose="02020603050405020304" pitchFamily="18" charset="0"/>
                         <a:cs typeface="Times New Roman" panose="02020603050405020304" pitchFamily="18" charset="0"/>
                       </a:endParaRPr>
                     </a:p>
                   </a:txBody>
-                  <a:tcPr marL="68580" marR="68580" marT="0" marB="0" vert="horz" anchor="t" anchorCtr="0"/>
+                  <a:tcPr marL="68580" marR="68580" marT="0" marB="0"/>
                 </a:tc>
               </a:tr>
             </a:tbl>
@@ -8594,7 +8611,7 @@
         </p:nvGraphicFramePr>
         <p:xfrm>
           <a:off x="1441291" y="1775018"/>
-          <a:ext cx="5867400" cy="5708650"/>
+          <a:ext cx="5867400" cy="1902681"/>
         </p:xfrm>
         <a:graphic>
           <a:graphicData uri="http://schemas.openxmlformats.org/drawingml/2006/table">
@@ -8618,20 +8635,20 @@
                         <a:buNone/>
                       </a:pPr>
                       <a:r>
-                        <a:rPr lang="en-US" sz="1200" b="1">
+                        <a:rPr lang="en-US" sz="1200" b="1" dirty="0">
                           <a:latin typeface="Times New Roman" panose="02020603050405020304" pitchFamily="18" charset="0"/>
                           <a:cs typeface="Times New Roman" panose="02020603050405020304" pitchFamily="18" charset="0"/>
                         </a:rPr>
                         <a:t>FIELD </a:t>
                       </a:r>
-                      <a:endParaRPr lang="en-US" sz="1200" b="1">
+                      <a:endParaRPr lang="en-US" sz="1200" b="1" dirty="0">
                         <a:latin typeface="Times New Roman" panose="02020603050405020304" pitchFamily="18" charset="0"/>
                         <a:ea typeface="Times New Roman" panose="02020603050405020304" pitchFamily="18" charset="0"/>
                         <a:cs typeface="Times New Roman" panose="02020603050405020304" pitchFamily="18" charset="0"/>
                       </a:endParaRPr>
                     </a:p>
                   </a:txBody>
-                  <a:tcPr marL="68580" marR="68580" marT="0" marB="0" vert="horz" anchor="t" anchorCtr="0"/>
+                  <a:tcPr marL="68580" marR="68580" marT="0" marB="0"/>
                 </a:tc>
                 <a:tc>
                   <a:txBody>
@@ -8655,7 +8672,7 @@
                       </a:endParaRPr>
                     </a:p>
                   </a:txBody>
-                  <a:tcPr marL="68580" marR="68580" marT="0" marB="0" vert="horz" anchor="t" anchorCtr="0"/>
+                  <a:tcPr marL="68580" marR="68580" marT="0" marB="0"/>
                 </a:tc>
                 <a:tc>
                   <a:txBody>
@@ -8679,7 +8696,7 @@
                       </a:endParaRPr>
                     </a:p>
                   </a:txBody>
-                  <a:tcPr marL="68580" marR="68580" marT="0" marB="0" vert="horz" anchor="t" anchorCtr="0"/>
+                  <a:tcPr marL="68580" marR="68580" marT="0" marB="0"/>
                 </a:tc>
                 <a:tc>
                   <a:txBody>
@@ -8703,7 +8720,112 @@
                       </a:endParaRPr>
                     </a:p>
                   </a:txBody>
-                  <a:tcPr marL="68580" marR="68580" marT="0" marB="0" vert="horz" anchor="t" anchorCtr="0"/>
+                  <a:tcPr marL="68580" marR="68580" marT="0" marB="0"/>
+                </a:tc>
+              </a:tr>
+              <a:tr h="380579">
+                <a:tc>
+                  <a:txBody>
+                    <a:bodyPr/>
+                    <a:lstStyle/>
+                    <a:p>
+                      <a:pPr indent="0">
+                        <a:buNone/>
+                      </a:pPr>
+                      <a:r>
+                        <a:rPr lang="en-IN" altLang="en-US" sz="1200" b="0" dirty="0">
+                          <a:latin typeface="Times New Roman" panose="02020603050405020304" pitchFamily="18" charset="0"/>
+                          <a:cs typeface="Times New Roman" panose="02020603050405020304" pitchFamily="18" charset="0"/>
+                        </a:rPr>
+                        <a:t>Bidding </a:t>
+                      </a:r>
+                      <a:r>
+                        <a:rPr lang="en-US" sz="1200" b="0" dirty="0">
+                          <a:latin typeface="Times New Roman" panose="02020603050405020304" pitchFamily="18" charset="0"/>
+                          <a:cs typeface="Times New Roman" panose="02020603050405020304" pitchFamily="18" charset="0"/>
+                        </a:rPr>
+                        <a:t>id</a:t>
+                      </a:r>
+                      <a:endParaRPr lang="en-US" sz="1200" b="0" dirty="0">
+                        <a:latin typeface="Times New Roman" panose="02020603050405020304" pitchFamily="18" charset="0"/>
+                        <a:ea typeface="Times New Roman" panose="02020603050405020304" pitchFamily="18" charset="0"/>
+                        <a:cs typeface="Times New Roman" panose="02020603050405020304" pitchFamily="18" charset="0"/>
+                      </a:endParaRPr>
+                    </a:p>
+                  </a:txBody>
+                  <a:tcPr marL="68580" marR="68580" marT="0" marB="0"/>
+                </a:tc>
+                <a:tc>
+                  <a:txBody>
+                    <a:bodyPr/>
+                    <a:lstStyle/>
+                    <a:p>
+                      <a:pPr indent="0">
+                        <a:buNone/>
+                      </a:pPr>
+                      <a:r>
+                        <a:rPr lang="en-US" sz="1200" b="0" dirty="0" err="1">
+                          <a:latin typeface="Times New Roman" panose="02020603050405020304" pitchFamily="18" charset="0"/>
+                          <a:cs typeface="Times New Roman" panose="02020603050405020304" pitchFamily="18" charset="0"/>
+                        </a:rPr>
+                        <a:t>Int</a:t>
+                      </a:r>
+                      <a:endParaRPr lang="en-US" sz="1200" b="0" dirty="0">
+                        <a:latin typeface="Times New Roman" panose="02020603050405020304" pitchFamily="18" charset="0"/>
+                        <a:ea typeface="Times New Roman" panose="02020603050405020304" pitchFamily="18" charset="0"/>
+                        <a:cs typeface="Times New Roman" panose="02020603050405020304" pitchFamily="18" charset="0"/>
+                      </a:endParaRPr>
+                    </a:p>
+                  </a:txBody>
+                  <a:tcPr marL="68580" marR="68580" marT="0" marB="0"/>
+                </a:tc>
+                <a:tc>
+                  <a:txBody>
+                    <a:bodyPr/>
+                    <a:lstStyle/>
+                    <a:p>
+                      <a:pPr indent="0">
+                        <a:buNone/>
+                      </a:pPr>
+                      <a:r>
+                        <a:rPr lang="en-US" sz="1200" b="0">
+                          <a:latin typeface="Times New Roman" panose="02020603050405020304" pitchFamily="18" charset="0"/>
+                          <a:cs typeface="Times New Roman" panose="02020603050405020304" pitchFamily="18" charset="0"/>
+                        </a:rPr>
+                        <a:t>10</a:t>
+                      </a:r>
+                      <a:endParaRPr lang="en-US" sz="1200" b="0">
+                        <a:latin typeface="Times New Roman" panose="02020603050405020304" pitchFamily="18" charset="0"/>
+                        <a:ea typeface="Times New Roman" panose="02020603050405020304" pitchFamily="18" charset="0"/>
+                        <a:cs typeface="Times New Roman" panose="02020603050405020304" pitchFamily="18" charset="0"/>
+                      </a:endParaRPr>
+                    </a:p>
+                  </a:txBody>
+                  <a:tcPr marL="68580" marR="68580" marT="0" marB="0"/>
+                </a:tc>
+                <a:tc>
+                  <a:txBody>
+                    <a:bodyPr/>
+                    <a:lstStyle/>
+                    <a:p>
+                      <a:pPr indent="0">
+                        <a:buNone/>
+                      </a:pPr>
+                      <a:r>
+                        <a:rPr lang="en-US" sz="1200" b="0">
+                          <a:latin typeface="Times New Roman" panose="02020603050405020304" pitchFamily="18" charset="0"/>
+                          <a:cs typeface="Times New Roman" panose="02020603050405020304" pitchFamily="18" charset="0"/>
+                        </a:rPr>
+                        <a:t>Primary key</a:t>
+                      </a:r>
+                      <a:endParaRPr lang="en-US" sz="1200" b="0">
+                        <a:latin typeface="Times New Roman" panose="02020603050405020304" pitchFamily="18" charset="0"/>
+                        <a:ea typeface="Times New Roman" panose="02020603050405020304" pitchFamily="18" charset="0"/>
+                        <a:cs typeface="Times New Roman" panose="02020603050405020304" pitchFamily="18" charset="0"/>
+                      </a:endParaRPr>
+                    </a:p>
+                  </a:txBody>
+                  <a:tcPr marL="68580" marR="68580" marT="0" marB="0"/>
                 </a:tc>
               </a:tr>
               <a:tr h="380579">
@@ -8720,23 +8842,212 @@
                           <a:latin typeface="Times New Roman" panose="02020603050405020304" pitchFamily="18" charset="0"/>
                           <a:cs typeface="Times New Roman" panose="02020603050405020304" pitchFamily="18" charset="0"/>
                         </a:rPr>
-                        <a:t>Bidding </a:t>
+                        <a:t>User Id</a:t>
                       </a:r>
-                      <a:r>
-                        <a:rPr lang="en-US" sz="1200" b="0">
-                          <a:latin typeface="Times New Roman" panose="02020603050405020304" pitchFamily="18" charset="0"/>
-                          <a:cs typeface="Times New Roman" panose="02020603050405020304" pitchFamily="18" charset="0"/>
-                        </a:rPr>
-                        <a:t>id</a:t>
-                      </a:r>
-                      <a:endParaRPr lang="en-US" sz="1200" b="0">
+                      <a:endParaRPr lang="en-IN" altLang="en-US" sz="1200" b="0">
                         <a:latin typeface="Times New Roman" panose="02020603050405020304" pitchFamily="18" charset="0"/>
                         <a:ea typeface="Times New Roman" panose="02020603050405020304" pitchFamily="18" charset="0"/>
                         <a:cs typeface="Times New Roman" panose="02020603050405020304" pitchFamily="18" charset="0"/>
                       </a:endParaRPr>
                     </a:p>
                   </a:txBody>
-                  <a:tcPr marL="68580" marR="68580" marT="0" marB="0" vert="horz" anchor="t" anchorCtr="0"/>
+                  <a:tcPr marL="68580" marR="68580" marT="0" marB="0"/>
+                </a:tc>
+                <a:tc>
+                  <a:txBody>
+                    <a:bodyPr/>
+                    <a:lstStyle/>
+                    <a:p>
+                      <a:pPr indent="0">
+                        <a:buNone/>
+                      </a:pPr>
+                      <a:r>
+                        <a:rPr lang="en-IN" altLang="en-US" sz="1200" b="0" dirty="0" err="1">
+                          <a:latin typeface="Times New Roman" panose="02020603050405020304" pitchFamily="18" charset="0"/>
+                          <a:cs typeface="Times New Roman" panose="02020603050405020304" pitchFamily="18" charset="0"/>
+                        </a:rPr>
+                        <a:t>Int</a:t>
+                      </a:r>
+                      <a:endParaRPr lang="en-IN" altLang="en-US" sz="1200" b="0" dirty="0">
+                        <a:latin typeface="Times New Roman" panose="02020603050405020304" pitchFamily="18" charset="0"/>
+                        <a:ea typeface="Times New Roman" panose="02020603050405020304" pitchFamily="18" charset="0"/>
+                        <a:cs typeface="Times New Roman" panose="02020603050405020304" pitchFamily="18" charset="0"/>
+                      </a:endParaRPr>
+                    </a:p>
+                  </a:txBody>
+                  <a:tcPr marL="68580" marR="68580" marT="0" marB="0"/>
+                </a:tc>
+                <a:tc>
+                  <a:txBody>
+                    <a:bodyPr/>
+                    <a:lstStyle/>
+                    <a:p>
+                      <a:pPr indent="0">
+                        <a:buNone/>
+                      </a:pPr>
+                      <a:r>
+                        <a:rPr lang="en-IN" altLang="en-US" sz="1200" b="0" dirty="0">
+                          <a:latin typeface="Times New Roman" panose="02020603050405020304" pitchFamily="18" charset="0"/>
+                          <a:cs typeface="Times New Roman" panose="02020603050405020304" pitchFamily="18" charset="0"/>
+                        </a:rPr>
+                        <a:t>10</a:t>
+                      </a:r>
+                      <a:endParaRPr lang="en-IN" altLang="en-US" sz="1200" b="0" dirty="0">
+                        <a:latin typeface="Times New Roman" panose="02020603050405020304" pitchFamily="18" charset="0"/>
+                        <a:ea typeface="Times New Roman" panose="02020603050405020304" pitchFamily="18" charset="0"/>
+                        <a:cs typeface="Times New Roman" panose="02020603050405020304" pitchFamily="18" charset="0"/>
+                      </a:endParaRPr>
+                    </a:p>
+                  </a:txBody>
+                  <a:tcPr marL="68580" marR="68580" marT="0" marB="0"/>
+                </a:tc>
+                <a:tc>
+                  <a:txBody>
+                    <a:bodyPr/>
+                    <a:lstStyle/>
+                    <a:p>
+                      <a:pPr indent="0">
+                        <a:buNone/>
+                      </a:pPr>
+                      <a:r>
+                        <a:rPr lang="en-IN" altLang="en-US" sz="1200" b="0">
+                          <a:latin typeface="Times New Roman" panose="02020603050405020304" pitchFamily="18" charset="0"/>
+                          <a:cs typeface="Times New Roman" panose="02020603050405020304" pitchFamily="18" charset="0"/>
+                        </a:rPr>
+                        <a:t>Foreign Key</a:t>
+                      </a:r>
+                      <a:endParaRPr lang="en-IN" altLang="en-US" sz="1200" b="0">
+                        <a:latin typeface="Times New Roman" panose="02020603050405020304" pitchFamily="18" charset="0"/>
+                        <a:ea typeface="Times New Roman" panose="02020603050405020304" pitchFamily="18" charset="0"/>
+                        <a:cs typeface="Times New Roman" panose="02020603050405020304" pitchFamily="18" charset="0"/>
+                      </a:endParaRPr>
+                    </a:p>
+                  </a:txBody>
+                  <a:tcPr marL="68580" marR="68580" marT="0" marB="0"/>
+                </a:tc>
+              </a:tr>
+              <a:tr h="380579">
+                <a:tc>
+                  <a:txBody>
+                    <a:bodyPr/>
+                    <a:lstStyle/>
+                    <a:p>
+                      <a:pPr indent="0">
+                        <a:buNone/>
+                      </a:pPr>
+                      <a:r>
+                        <a:rPr lang="en-IN" altLang="en-US" sz="1200" b="0">
+                          <a:latin typeface="Times New Roman" panose="02020603050405020304" pitchFamily="18" charset="0"/>
+                          <a:cs typeface="Times New Roman" panose="02020603050405020304" pitchFamily="18" charset="0"/>
+                        </a:rPr>
+                        <a:t>Product Id</a:t>
+                      </a:r>
+                      <a:endParaRPr lang="en-IN" altLang="en-US" sz="1200" b="0">
+                        <a:latin typeface="Times New Roman" panose="02020603050405020304" pitchFamily="18" charset="0"/>
+                        <a:ea typeface="Times New Roman" panose="02020603050405020304" pitchFamily="18" charset="0"/>
+                        <a:cs typeface="Times New Roman" panose="02020603050405020304" pitchFamily="18" charset="0"/>
+                      </a:endParaRPr>
+                    </a:p>
+                  </a:txBody>
+                  <a:tcPr marL="68580" marR="68580" marT="0" marB="0"/>
+                </a:tc>
+                <a:tc>
+                  <a:txBody>
+                    <a:bodyPr/>
+                    <a:lstStyle/>
+                    <a:p>
+                      <a:pPr indent="0">
+                        <a:buNone/>
+                      </a:pPr>
+                      <a:r>
+                        <a:rPr lang="en-IN" altLang="en-US" sz="1200" b="0">
+                          <a:latin typeface="Times New Roman" panose="02020603050405020304" pitchFamily="18" charset="0"/>
+                          <a:cs typeface="Times New Roman" panose="02020603050405020304" pitchFamily="18" charset="0"/>
+                        </a:rPr>
+                        <a:t>Int</a:t>
+                      </a:r>
+                      <a:endParaRPr lang="en-IN" altLang="en-US" sz="1200" b="0">
+                        <a:latin typeface="Times New Roman" panose="02020603050405020304" pitchFamily="18" charset="0"/>
+                        <a:ea typeface="Times New Roman" panose="02020603050405020304" pitchFamily="18" charset="0"/>
+                        <a:cs typeface="Times New Roman" panose="02020603050405020304" pitchFamily="18" charset="0"/>
+                      </a:endParaRPr>
+                    </a:p>
+                  </a:txBody>
+                  <a:tcPr marL="68580" marR="68580" marT="0" marB="0"/>
+                </a:tc>
+                <a:tc>
+                  <a:txBody>
+                    <a:bodyPr/>
+                    <a:lstStyle/>
+                    <a:p>
+                      <a:pPr indent="0">
+                        <a:buNone/>
+                      </a:pPr>
+                      <a:r>
+                        <a:rPr lang="en-IN" altLang="en-US" sz="1200" b="0">
+                          <a:latin typeface="Times New Roman" panose="02020603050405020304" pitchFamily="18" charset="0"/>
+                          <a:cs typeface="Times New Roman" panose="02020603050405020304" pitchFamily="18" charset="0"/>
+                        </a:rPr>
+                        <a:t>10</a:t>
+                      </a:r>
+                      <a:endParaRPr lang="en-IN" altLang="en-US" sz="1200" b="0">
+                        <a:latin typeface="Times New Roman" panose="02020603050405020304" pitchFamily="18" charset="0"/>
+                        <a:ea typeface="Times New Roman" panose="02020603050405020304" pitchFamily="18" charset="0"/>
+                        <a:cs typeface="Times New Roman" panose="02020603050405020304" pitchFamily="18" charset="0"/>
+                      </a:endParaRPr>
+                    </a:p>
+                  </a:txBody>
+                  <a:tcPr marL="68580" marR="68580" marT="0" marB="0"/>
+                </a:tc>
+                <a:tc>
+                  <a:txBody>
+                    <a:bodyPr/>
+                    <a:lstStyle/>
+                    <a:p>
+                      <a:pPr indent="0">
+                        <a:buNone/>
+                      </a:pPr>
+                      <a:r>
+                        <a:rPr lang="en-IN" altLang="en-US" sz="1200" b="0" dirty="0">
+                          <a:latin typeface="Times New Roman" panose="02020603050405020304" pitchFamily="18" charset="0"/>
+                          <a:cs typeface="Times New Roman" panose="02020603050405020304" pitchFamily="18" charset="0"/>
+                        </a:rPr>
+                        <a:t>Foreign Key</a:t>
+                      </a:r>
+                      <a:endParaRPr lang="en-IN" altLang="en-US" sz="1200" b="0" dirty="0">
+                        <a:latin typeface="Times New Roman" panose="02020603050405020304" pitchFamily="18" charset="0"/>
+                        <a:ea typeface="Times New Roman" panose="02020603050405020304" pitchFamily="18" charset="0"/>
+                        <a:cs typeface="Times New Roman" panose="02020603050405020304" pitchFamily="18" charset="0"/>
+                      </a:endParaRPr>
+                    </a:p>
+                  </a:txBody>
+                  <a:tcPr marL="68580" marR="68580" marT="0" marB="0"/>
+                </a:tc>
+              </a:tr>
+              <a:tr h="380579">
+                <a:tc>
+                  <a:txBody>
+                    <a:bodyPr/>
+                    <a:lstStyle/>
+                    <a:p>
+                      <a:pPr indent="0">
+                        <a:buNone/>
+                      </a:pPr>
+                      <a:r>
+                        <a:rPr lang="en-IN" altLang="en-US" sz="1200" b="0">
+                          <a:latin typeface="Times New Roman" panose="02020603050405020304" pitchFamily="18" charset="0"/>
+                          <a:cs typeface="Times New Roman" panose="02020603050405020304" pitchFamily="18" charset="0"/>
+                        </a:rPr>
+                        <a:t>Bid Amount</a:t>
+                      </a:r>
+                      <a:endParaRPr lang="en-IN" altLang="en-US" sz="1200" b="0">
+                        <a:latin typeface="Times New Roman" panose="02020603050405020304" pitchFamily="18" charset="0"/>
+                        <a:ea typeface="Times New Roman" panose="02020603050405020304" pitchFamily="18" charset="0"/>
+                        <a:cs typeface="Times New Roman" panose="02020603050405020304" pitchFamily="18" charset="0"/>
+                      </a:endParaRPr>
+                    </a:p>
+                  </a:txBody>
+                  <a:tcPr marL="68580" marR="68580" marT="0" marB="0"/>
                 </a:tc>
                 <a:tc>
                   <a:txBody>
@@ -8760,7 +9071,7 @@
                       </a:endParaRPr>
                     </a:p>
                   </a:txBody>
-                  <a:tcPr marL="68580" marR="68580" marT="0" marB="0" vert="horz" anchor="t" anchorCtr="0"/>
+                  <a:tcPr marL="68580" marR="68580" marT="0" marB="0"/>
                 </a:tc>
                 <a:tc>
                   <a:txBody>
@@ -8784,7 +9095,7 @@
                       </a:endParaRPr>
                     </a:p>
                   </a:txBody>
-                  <a:tcPr marL="68580" marR="68580" marT="0" marB="0" vert="horz" anchor="t" anchorCtr="0"/>
+                  <a:tcPr marL="68580" marR="68580" marT="0" marB="0"/>
                 </a:tc>
                 <a:tc>
                   <a:txBody>
@@ -8795,302 +9106,20 @@
                         <a:buNone/>
                       </a:pPr>
                       <a:r>
-                        <a:rPr lang="en-US" sz="1200" b="0">
+                        <a:rPr lang="en-US" sz="1200" b="0" dirty="0">
                           <a:latin typeface="Times New Roman" panose="02020603050405020304" pitchFamily="18" charset="0"/>
                           <a:cs typeface="Times New Roman" panose="02020603050405020304" pitchFamily="18" charset="0"/>
                         </a:rPr>
-                        <a:t>Primary key</a:t>
+                        <a:t>Not null</a:t>
                       </a:r>
-                      <a:endParaRPr lang="en-US" sz="1200" b="0">
+                      <a:endParaRPr lang="en-US" sz="1200" b="0" dirty="0">
                         <a:latin typeface="Times New Roman" panose="02020603050405020304" pitchFamily="18" charset="0"/>
                         <a:ea typeface="Times New Roman" panose="02020603050405020304" pitchFamily="18" charset="0"/>
                         <a:cs typeface="Times New Roman" panose="02020603050405020304" pitchFamily="18" charset="0"/>
                       </a:endParaRPr>
                     </a:p>
                   </a:txBody>
-                  <a:tcPr marL="68580" marR="68580" marT="0" marB="0" vert="horz" anchor="t" anchorCtr="0"/>
-                </a:tc>
-              </a:tr>
-              <a:tr h="380579">
-                <a:tc>
-                  <a:txBody>
-                    <a:bodyPr/>
-                    <a:p>
-                      <a:pPr indent="0">
-                        <a:buNone/>
-                      </a:pPr>
-                      <a:r>
-                        <a:rPr lang="en-IN" altLang="en-US" sz="1200" b="0">
-                          <a:latin typeface="Times New Roman" panose="02020603050405020304" pitchFamily="18" charset="0"/>
-                          <a:cs typeface="Times New Roman" panose="02020603050405020304" pitchFamily="18" charset="0"/>
-                        </a:rPr>
-                        <a:t>User Id</a:t>
-                      </a:r>
-                      <a:endParaRPr lang="en-IN" altLang="en-US" sz="1200" b="0">
-                        <a:latin typeface="Times New Roman" panose="02020603050405020304" pitchFamily="18" charset="0"/>
-                        <a:ea typeface="Times New Roman" panose="02020603050405020304" pitchFamily="18" charset="0"/>
-                        <a:cs typeface="Times New Roman" panose="02020603050405020304" pitchFamily="18" charset="0"/>
-                      </a:endParaRPr>
-                    </a:p>
-                  </a:txBody>
-                  <a:tcPr marL="68580" marR="68580" marT="0" marB="0" vert="horz" anchor="t" anchorCtr="0"/>
-                </a:tc>
-                <a:tc>
-                  <a:txBody>
-                    <a:bodyPr/>
-                    <a:p>
-                      <a:pPr indent="0">
-                        <a:buNone/>
-                      </a:pPr>
-                      <a:r>
-                        <a:rPr lang="en-IN" altLang="en-US" sz="1200" b="0">
-                          <a:latin typeface="Times New Roman" panose="02020603050405020304" pitchFamily="18" charset="0"/>
-                          <a:cs typeface="Times New Roman" panose="02020603050405020304" pitchFamily="18" charset="0"/>
-                        </a:rPr>
-                        <a:t>Int</a:t>
-                      </a:r>
-                      <a:endParaRPr lang="en-IN" altLang="en-US" sz="1200" b="0">
-                        <a:latin typeface="Times New Roman" panose="02020603050405020304" pitchFamily="18" charset="0"/>
-                        <a:ea typeface="Times New Roman" panose="02020603050405020304" pitchFamily="18" charset="0"/>
-                        <a:cs typeface="Times New Roman" panose="02020603050405020304" pitchFamily="18" charset="0"/>
-                      </a:endParaRPr>
-                    </a:p>
-                  </a:txBody>
-                  <a:tcPr marL="68580" marR="68580" marT="0" marB="0" vert="horz" anchor="t" anchorCtr="0"/>
-                </a:tc>
-                <a:tc>
-                  <a:txBody>
-                    <a:bodyPr/>
-                    <a:p>
-                      <a:pPr indent="0">
-                        <a:buNone/>
-                      </a:pPr>
-                      <a:r>
-                        <a:rPr lang="en-IN" altLang="en-US" sz="1200" b="0">
-                          <a:latin typeface="Times New Roman" panose="02020603050405020304" pitchFamily="18" charset="0"/>
-                          <a:cs typeface="Times New Roman" panose="02020603050405020304" pitchFamily="18" charset="0"/>
-                        </a:rPr>
-                        <a:t>10</a:t>
-                      </a:r>
-                      <a:endParaRPr lang="en-IN" altLang="en-US" sz="1200" b="0">
-                        <a:latin typeface="Times New Roman" panose="02020603050405020304" pitchFamily="18" charset="0"/>
-                        <a:ea typeface="Times New Roman" panose="02020603050405020304" pitchFamily="18" charset="0"/>
-                        <a:cs typeface="Times New Roman" panose="02020603050405020304" pitchFamily="18" charset="0"/>
-                      </a:endParaRPr>
-                    </a:p>
-                  </a:txBody>
-                  <a:tcPr marL="68580" marR="68580" marT="0" marB="0" vert="horz" anchor="t" anchorCtr="0"/>
-                </a:tc>
-                <a:tc>
-                  <a:txBody>
-                    <a:bodyPr/>
-                    <a:p>
-                      <a:pPr indent="0">
-                        <a:buNone/>
-                      </a:pPr>
-                      <a:r>
-                        <a:rPr lang="en-IN" altLang="en-US" sz="1200" b="0">
-                          <a:latin typeface="Times New Roman" panose="02020603050405020304" pitchFamily="18" charset="0"/>
-                          <a:cs typeface="Times New Roman" panose="02020603050405020304" pitchFamily="18" charset="0"/>
-                        </a:rPr>
-                        <a:t>Foreign Key</a:t>
-                      </a:r>
-                      <a:endParaRPr lang="en-IN" altLang="en-US" sz="1200" b="0">
-                        <a:latin typeface="Times New Roman" panose="02020603050405020304" pitchFamily="18" charset="0"/>
-                        <a:ea typeface="Times New Roman" panose="02020603050405020304" pitchFamily="18" charset="0"/>
-                        <a:cs typeface="Times New Roman" panose="02020603050405020304" pitchFamily="18" charset="0"/>
-                      </a:endParaRPr>
-                    </a:p>
-                  </a:txBody>
-                  <a:tcPr marL="68580" marR="68580" marT="0" marB="0" vert="horz" anchor="t" anchorCtr="0"/>
-                </a:tc>
-              </a:tr>
-              <a:tr h="380579">
-                <a:tc>
-                  <a:txBody>
-                    <a:bodyPr/>
-                    <a:p>
-                      <a:pPr indent="0">
-                        <a:buNone/>
-                      </a:pPr>
-                      <a:r>
-                        <a:rPr lang="en-IN" altLang="en-US" sz="1200" b="0">
-                          <a:latin typeface="Times New Roman" panose="02020603050405020304" pitchFamily="18" charset="0"/>
-                          <a:cs typeface="Times New Roman" panose="02020603050405020304" pitchFamily="18" charset="0"/>
-                        </a:rPr>
-                        <a:t>Product Id</a:t>
-                      </a:r>
-                      <a:endParaRPr lang="en-IN" altLang="en-US" sz="1200" b="0">
-                        <a:latin typeface="Times New Roman" panose="02020603050405020304" pitchFamily="18" charset="0"/>
-                        <a:ea typeface="Times New Roman" panose="02020603050405020304" pitchFamily="18" charset="0"/>
-                        <a:cs typeface="Times New Roman" panose="02020603050405020304" pitchFamily="18" charset="0"/>
-                      </a:endParaRPr>
-                    </a:p>
-                  </a:txBody>
-                  <a:tcPr marL="68580" marR="68580" marT="0" marB="0" vert="horz" anchor="t" anchorCtr="0"/>
-                </a:tc>
-                <a:tc>
-                  <a:txBody>
-                    <a:bodyPr/>
-                    <a:p>
-                      <a:pPr indent="0">
-                        <a:buNone/>
-                      </a:pPr>
-                      <a:r>
-                        <a:rPr lang="en-IN" altLang="en-US" sz="1200" b="0">
-                          <a:latin typeface="Times New Roman" panose="02020603050405020304" pitchFamily="18" charset="0"/>
-                          <a:cs typeface="Times New Roman" panose="02020603050405020304" pitchFamily="18" charset="0"/>
-                        </a:rPr>
-                        <a:t>Int</a:t>
-                      </a:r>
-                      <a:endParaRPr lang="en-IN" altLang="en-US" sz="1200" b="0">
-                        <a:latin typeface="Times New Roman" panose="02020603050405020304" pitchFamily="18" charset="0"/>
-                        <a:ea typeface="Times New Roman" panose="02020603050405020304" pitchFamily="18" charset="0"/>
-                        <a:cs typeface="Times New Roman" panose="02020603050405020304" pitchFamily="18" charset="0"/>
-                      </a:endParaRPr>
-                    </a:p>
-                  </a:txBody>
-                  <a:tcPr marL="68580" marR="68580" marT="0" marB="0" vert="horz" anchor="t" anchorCtr="0"/>
-                </a:tc>
-                <a:tc>
-                  <a:txBody>
-                    <a:bodyPr/>
-                    <a:p>
-                      <a:pPr indent="0">
-                        <a:buNone/>
-                      </a:pPr>
-                      <a:r>
-                        <a:rPr lang="en-IN" altLang="en-US" sz="1200" b="0">
-                          <a:latin typeface="Times New Roman" panose="02020603050405020304" pitchFamily="18" charset="0"/>
-                          <a:cs typeface="Times New Roman" panose="02020603050405020304" pitchFamily="18" charset="0"/>
-                        </a:rPr>
-                        <a:t>10</a:t>
-                      </a:r>
-                      <a:endParaRPr lang="en-IN" altLang="en-US" sz="1200" b="0">
-                        <a:latin typeface="Times New Roman" panose="02020603050405020304" pitchFamily="18" charset="0"/>
-                        <a:ea typeface="Times New Roman" panose="02020603050405020304" pitchFamily="18" charset="0"/>
-                        <a:cs typeface="Times New Roman" panose="02020603050405020304" pitchFamily="18" charset="0"/>
-                      </a:endParaRPr>
-                    </a:p>
-                  </a:txBody>
-                  <a:tcPr marL="68580" marR="68580" marT="0" marB="0" vert="horz" anchor="t" anchorCtr="0"/>
-                </a:tc>
-                <a:tc>
-                  <a:txBody>
-                    <a:bodyPr/>
-                    <a:p>
-                      <a:pPr indent="0">
-                        <a:buNone/>
-                      </a:pPr>
-                      <a:r>
-                        <a:rPr lang="en-IN" altLang="en-US" sz="1200" b="0">
-                          <a:latin typeface="Times New Roman" panose="02020603050405020304" pitchFamily="18" charset="0"/>
-                          <a:cs typeface="Times New Roman" panose="02020603050405020304" pitchFamily="18" charset="0"/>
-                        </a:rPr>
-                        <a:t>Foreign Key</a:t>
-                      </a:r>
-                      <a:endParaRPr lang="en-IN" altLang="en-US" sz="1200" b="0">
-                        <a:latin typeface="Times New Roman" panose="02020603050405020304" pitchFamily="18" charset="0"/>
-                        <a:ea typeface="Times New Roman" panose="02020603050405020304" pitchFamily="18" charset="0"/>
-                        <a:cs typeface="Times New Roman" panose="02020603050405020304" pitchFamily="18" charset="0"/>
-                      </a:endParaRPr>
-                    </a:p>
-                  </a:txBody>
-                  <a:tcPr marL="68580" marR="68580" marT="0" marB="0" vert="horz" anchor="t" anchorCtr="0"/>
-                </a:tc>
-              </a:tr>
-              <a:tr h="380579">
-                <a:tc>
-                  <a:txBody>
-                    <a:bodyPr/>
-                    <a:p>
-                      <a:pPr indent="0">
-                        <a:buNone/>
-                      </a:pPr>
-                      <a:r>
-                        <a:rPr lang="en-IN" altLang="en-US" sz="1200" b="0">
-                          <a:latin typeface="Times New Roman" panose="02020603050405020304" pitchFamily="18" charset="0"/>
-                          <a:cs typeface="Times New Roman" panose="02020603050405020304" pitchFamily="18" charset="0"/>
-                        </a:rPr>
-                        <a:t>Bid Amount</a:t>
-                      </a:r>
-                      <a:endParaRPr lang="en-IN" altLang="en-US" sz="1200" b="0">
-                        <a:latin typeface="Times New Roman" panose="02020603050405020304" pitchFamily="18" charset="0"/>
-                        <a:ea typeface="Times New Roman" panose="02020603050405020304" pitchFamily="18" charset="0"/>
-                        <a:cs typeface="Times New Roman" panose="02020603050405020304" pitchFamily="18" charset="0"/>
-                      </a:endParaRPr>
-                    </a:p>
-                  </a:txBody>
-                  <a:tcPr marL="68580" marR="68580" marT="0" marB="0" vert="horz" anchor="t" anchorCtr="0"/>
-                </a:tc>
-                <a:tc>
-                  <a:txBody>
-                    <a:bodyPr/>
-                    <a:p>
-                      <a:pPr indent="0">
-                        <a:buNone/>
-                      </a:pPr>
-                      <a:r>
-                        <a:rPr lang="en-US" sz="1200" b="0">
-                          <a:latin typeface="Times New Roman" panose="02020603050405020304" pitchFamily="18" charset="0"/>
-                          <a:cs typeface="Times New Roman" panose="02020603050405020304" pitchFamily="18" charset="0"/>
-                        </a:rPr>
-                        <a:t>Int</a:t>
-                      </a:r>
-                      <a:endParaRPr lang="en-US" sz="1200" b="0">
-                        <a:latin typeface="Times New Roman" panose="02020603050405020304" pitchFamily="18" charset="0"/>
-                        <a:ea typeface="Times New Roman" panose="02020603050405020304" pitchFamily="18" charset="0"/>
-                        <a:cs typeface="Times New Roman" panose="02020603050405020304" pitchFamily="18" charset="0"/>
-                      </a:endParaRPr>
-                    </a:p>
-                  </a:txBody>
-                  <a:tcPr marL="68580" marR="68580" marT="0" marB="0" vert="horz" anchor="t" anchorCtr="0"/>
-                </a:tc>
-                <a:tc>
-                  <a:txBody>
-                    <a:bodyPr/>
-                    <a:p>
-                      <a:pPr indent="0">
-                        <a:buNone/>
-                      </a:pPr>
-                      <a:r>
-                        <a:rPr lang="en-US" sz="1200" b="0">
-                          <a:latin typeface="Times New Roman" panose="02020603050405020304" pitchFamily="18" charset="0"/>
-                          <a:cs typeface="Times New Roman" panose="02020603050405020304" pitchFamily="18" charset="0"/>
-                        </a:rPr>
-                        <a:t>10</a:t>
-                      </a:r>
-                      <a:endParaRPr lang="en-US" sz="1200" b="0">
-                        <a:latin typeface="Times New Roman" panose="02020603050405020304" pitchFamily="18" charset="0"/>
-                        <a:ea typeface="Times New Roman" panose="02020603050405020304" pitchFamily="18" charset="0"/>
-                        <a:cs typeface="Times New Roman" panose="02020603050405020304" pitchFamily="18" charset="0"/>
-                      </a:endParaRPr>
-                    </a:p>
-                  </a:txBody>
-                  <a:tcPr marL="68580" marR="68580" marT="0" marB="0" vert="horz" anchor="t" anchorCtr="0"/>
-                </a:tc>
-                <a:tc>
-                  <a:txBody>
-                    <a:bodyPr/>
-                    <a:p>
-                      <a:pPr indent="0">
-                        <a:buNone/>
-                      </a:pPr>
-                      <a:r>
-                        <a:rPr lang="en-US" sz="1200" b="0">
-                          <a:latin typeface="Times New Roman" panose="02020603050405020304" pitchFamily="18" charset="0"/>
-                          <a:cs typeface="Times New Roman" panose="02020603050405020304" pitchFamily="18" charset="0"/>
-                        </a:rPr>
-                        <a:t>Not null</a:t>
-                      </a:r>
-                      <a:endParaRPr lang="en-US" sz="1200" b="0">
-                        <a:latin typeface="Times New Roman" panose="02020603050405020304" pitchFamily="18" charset="0"/>
-                        <a:ea typeface="Times New Roman" panose="02020603050405020304" pitchFamily="18" charset="0"/>
-                        <a:cs typeface="Times New Roman" panose="02020603050405020304" pitchFamily="18" charset="0"/>
-                      </a:endParaRPr>
-                    </a:p>
-                  </a:txBody>
-                  <a:tcPr marL="68580" marR="68580" marT="0" marB="0" vert="horz" anchor="t" anchorCtr="0"/>
+                  <a:tcPr marL="68580" marR="68580" marT="0" marB="0"/>
                 </a:tc>
               </a:tr>
             </a:tbl>
@@ -9141,7 +9170,6 @@
               <a:rPr lang="en-US" dirty="0"/>
               <a:t>Thank You</a:t>
             </a:r>
-            <a:endParaRPr lang="en-US" dirty="0"/>
           </a:p>
         </p:txBody>
       </p:sp>
@@ -9208,7 +9236,6 @@
               <a:rPr lang="en-US" dirty="0"/>
               <a:t>ABSTRACT</a:t>
             </a:r>
-            <a:endParaRPr lang="en-US" dirty="0"/>
           </a:p>
         </p:txBody>
       </p:sp>
@@ -9493,6 +9520,14 @@
               </a:rPr>
               <a:t> SOFTWARE SPECIFICATION</a:t>
             </a:r>
+            <a:r>
+              <a:rPr lang="en-US" sz="1800" dirty="0">
+                <a:effectLst/>
+                <a:latin typeface="Times New Roman" panose="02020603050405020304" pitchFamily="18" charset="0"/>
+                <a:ea typeface="Times New Roman" panose="02020603050405020304" pitchFamily="18" charset="0"/>
+              </a:rPr>
+              <a:t/>
+            </a:r>
             <a:br>
               <a:rPr lang="en-US" sz="1800" dirty="0">
                 <a:effectLst/>
@@ -9617,6 +9652,14 @@
                 <a:spcPts val="1000"/>
               </a:spcAft>
             </a:pPr>
+            <a:r>
+              <a:rPr lang="en-US" sz="1800" b="1" dirty="0">
+                <a:effectLst/>
+                <a:latin typeface="Times New Roman" panose="02020603050405020304" pitchFamily="18" charset="0"/>
+                <a:ea typeface="Calibri" panose="020F0502020204030204" pitchFamily="34" charset="0"/>
+              </a:rPr>
+              <a:t/>
+            </a:r>
             <a:br>
               <a:rPr lang="en-US" sz="1800" b="1" dirty="0">
                 <a:effectLst/>
@@ -9689,7 +9732,6 @@
               <a:rPr lang="en-US" dirty="0"/>
               <a:t>EXISTING SYSTEM</a:t>
             </a:r>
-            <a:endParaRPr lang="en-US" dirty="0"/>
           </a:p>
         </p:txBody>
       </p:sp>
@@ -9766,12 +9808,6 @@
               </a:rPr>
               <a:t>DISADVANTAGES:</a:t>
             </a:r>
-            <a:endParaRPr lang="en-IN" sz="1800" b="1" kern="100" dirty="0">
-              <a:effectLst/>
-              <a:latin typeface="Times New Roman" panose="02020603050405020304" pitchFamily="18" charset="0"/>
-              <a:ea typeface="Calibri" panose="020F0502020204030204" pitchFamily="34" charset="0"/>
-              <a:cs typeface="Times New Roman" panose="02020603050405020304" pitchFamily="18" charset="0"/>
-            </a:endParaRPr>
           </a:p>
           <a:p>
             <a:pPr marL="0" marR="0">
@@ -9793,11 +9829,6 @@
               </a:rPr>
               <a:t>Waste of time for conduction </a:t>
             </a:r>
-            <a:endParaRPr lang="en-IN" sz="1800" kern="100" dirty="0">
-              <a:latin typeface="Times New Roman" panose="02020603050405020304" pitchFamily="18" charset="0"/>
-              <a:ea typeface="Calibri" panose="020F0502020204030204" pitchFamily="34" charset="0"/>
-              <a:cs typeface="Times New Roman" panose="02020603050405020304" pitchFamily="18" charset="0"/>
-            </a:endParaRPr>
           </a:p>
           <a:p>
             <a:pPr marL="0" marR="0">
@@ -9873,7 +9904,6 @@
               <a:rPr lang="en-US" dirty="0"/>
               <a:t>PROPOSED SYSTEM</a:t>
             </a:r>
-            <a:endParaRPr lang="en-US" dirty="0"/>
           </a:p>
         </p:txBody>
       </p:sp>
@@ -9973,13 +10003,6 @@
               </a:rPr>
               <a:t>No noisy crowds like conventional system where users have to sit and bid.</a:t>
             </a:r>
-            <a:endParaRPr lang="en-US" sz="1800" b="0" i="0" dirty="0">
-              <a:solidFill>
-                <a:srgbClr val="767575"/>
-              </a:solidFill>
-              <a:effectLst/>
-              <a:latin typeface="-apple-system"/>
-            </a:endParaRPr>
           </a:p>
           <a:p>
             <a:pPr algn="l" fontAlgn="base">
@@ -9996,13 +10019,6 @@
               </a:rPr>
               <a:t>Excludes general frustration that usually happens while bidding in conventional system.</a:t>
             </a:r>
-            <a:endParaRPr lang="en-US" sz="1800" b="0" i="0" dirty="0">
-              <a:solidFill>
-                <a:srgbClr val="767575"/>
-              </a:solidFill>
-              <a:effectLst/>
-              <a:latin typeface="-apple-system"/>
-            </a:endParaRPr>
           </a:p>
           <a:p>
             <a:pPr algn="l" fontAlgn="base">
@@ -10019,13 +10035,6 @@
               </a:rPr>
               <a:t>No schedule constraint that means bidder can bid any time and from anywhere.</a:t>
             </a:r>
-            <a:endParaRPr lang="en-US" sz="1800" b="0" i="0" dirty="0">
-              <a:solidFill>
-                <a:srgbClr val="767575"/>
-              </a:solidFill>
-              <a:effectLst/>
-              <a:latin typeface="-apple-system"/>
-            </a:endParaRPr>
           </a:p>
           <a:p>
             <a:pPr algn="l" fontAlgn="base">
@@ -10042,13 +10051,6 @@
               </a:rPr>
               <a:t>The bidding process can be conducted on a global scale.</a:t>
             </a:r>
-            <a:endParaRPr lang="en-US" sz="1800" b="0" i="0" dirty="0">
-              <a:solidFill>
-                <a:srgbClr val="767575"/>
-              </a:solidFill>
-              <a:effectLst/>
-              <a:latin typeface="-apple-system"/>
-            </a:endParaRPr>
           </a:p>
         </p:txBody>
       </p:sp>
@@ -10096,7 +10098,6 @@
               <a:rPr lang="en-US" dirty="0"/>
               <a:t>Modules</a:t>
             </a:r>
-            <a:endParaRPr lang="en-US" dirty="0"/>
           </a:p>
         </p:txBody>
       </p:sp>
@@ -10130,13 +10131,6 @@
               </a:rPr>
               <a:t>Admin Login</a:t>
             </a:r>
-            <a:endParaRPr lang="en-IN" sz="1600" b="1" i="0" dirty="0">
-              <a:solidFill>
-                <a:schemeClr val="tx1"/>
-              </a:solidFill>
-              <a:effectLst/>
-              <a:latin typeface="Open Sans"/>
-            </a:endParaRPr>
           </a:p>
           <a:p>
             <a:pPr marL="0" indent="0" algn="l" fontAlgn="base">
@@ -10165,13 +10159,6 @@
               </a:rPr>
               <a:t>Admin has full control of the system, the user should perform major functions from the admin side. Here, the admin can notifications about their products on the bid. Which displays a small message of the user’s account with the placed bid on certain product item. He/she can easily check all the product’s post, end date, the number of bidders, products on bid and bidding logs easily. </a:t>
             </a:r>
-            <a:endParaRPr lang="en-US" sz="1600" b="0" i="0" dirty="0">
-              <a:solidFill>
-                <a:schemeClr val="tx1"/>
-              </a:solidFill>
-              <a:effectLst/>
-              <a:latin typeface="Open Sans"/>
-            </a:endParaRPr>
           </a:p>
           <a:p>
             <a:pPr marL="0" indent="0" algn="l" fontAlgn="base">
@@ -10191,14 +10178,6 @@
               </a:rPr>
               <a:t>Add Product</a:t>
             </a:r>
-            <a:endParaRPr lang="en-US" sz="1600" b="1" dirty="0">
-              <a:solidFill>
-                <a:schemeClr val="tx1"/>
-              </a:solidFill>
-              <a:latin typeface="Open Sans"/>
-              <a:ea typeface="Calibri" panose="020F0502020204030204" pitchFamily="34" charset="0"/>
-              <a:cs typeface="Times New Roman" panose="02020603050405020304" pitchFamily="18" charset="0"/>
-            </a:endParaRPr>
           </a:p>
           <a:p>
             <a:pPr marL="0" indent="0" algn="l" fontAlgn="base">
@@ -10324,15 +10303,6 @@
               </a:rPr>
               <a:t>User Login</a:t>
             </a:r>
-            <a:endParaRPr lang="en-US" sz="1800" b="1" dirty="0">
-              <a:solidFill>
-                <a:schemeClr val="tx1"/>
-              </a:solidFill>
-              <a:effectLst/>
-              <a:latin typeface="Calibri" panose="020F0502020204030204" pitchFamily="34" charset="0"/>
-              <a:ea typeface="Calibri" panose="020F0502020204030204" pitchFamily="34" charset="0"/>
-              <a:cs typeface="Times New Roman" panose="02020603050405020304" pitchFamily="18" charset="0"/>
-            </a:endParaRPr>
           </a:p>
           <a:p>
             <a:pPr marL="0" marR="0" lvl="0" indent="0">
@@ -10367,13 +10337,6 @@
               </a:rPr>
               <a:t>From the user’s side, the user can view each and every product that is available. There are various product categories which divide the products. To bid on a product he/she should log in or register to the system. But after registration, the user should activate his/her account in order to bid on a product. Other bidding rules are the same. </a:t>
             </a:r>
-            <a:endParaRPr lang="en-US" sz="1600" b="0" i="0" dirty="0">
-              <a:solidFill>
-                <a:schemeClr val="tx1"/>
-              </a:solidFill>
-              <a:effectLst/>
-              <a:latin typeface="Open Sans"/>
-            </a:endParaRPr>
           </a:p>
           <a:p>
             <a:pPr marL="0" marR="0" lvl="0" indent="0">
@@ -10399,14 +10362,6 @@
               </a:rPr>
               <a:t>Bidding</a:t>
             </a:r>
-            <a:endParaRPr lang="en-US" sz="1600" b="1" dirty="0">
-              <a:solidFill>
-                <a:schemeClr val="tx1"/>
-              </a:solidFill>
-              <a:latin typeface="Open Sans"/>
-              <a:ea typeface="Calibri" panose="020F0502020204030204" pitchFamily="34" charset="0"/>
-              <a:cs typeface="Times New Roman" panose="02020603050405020304" pitchFamily="18" charset="0"/>
-            </a:endParaRPr>
           </a:p>
           <a:p>
             <a:pPr marL="0" marR="0" lvl="0" indent="0">
@@ -10494,7 +10449,6 @@
               <a:rPr lang="en-US" dirty="0"/>
               <a:t>Data Flow Diagram</a:t>
             </a:r>
-            <a:endParaRPr lang="en-US" dirty="0"/>
           </a:p>
         </p:txBody>
       </p:sp>
@@ -10517,7 +10471,6 @@
               <a:rPr lang="en-US" dirty="0"/>
               <a:t>Level 0</a:t>
             </a:r>
-            <a:endParaRPr lang="en-US" dirty="0"/>
           </a:p>
           <a:p>
             <a:pPr marL="0" indent="0">
@@ -10542,7 +10495,7 @@
           <p:nvPr/>
         </p:nvPicPr>
         <p:blipFill>
-          <a:blip r:embed="rId1">
+          <a:blip r:embed="rId2">
             <a:extLst>
               <a:ext uri="{28A0092B-C50C-407E-A947-70E740481C1C}">
                 <a14:useLocalDpi xmlns:a14="http://schemas.microsoft.com/office/drawing/2010/main" val="0"/>
@@ -10821,9 +10774,11 @@
       </a:bgFillStyleLst>
     </a:fmtScheme>
   </a:themeElements>
+  <a:objectDefaults/>
+  <a:extraClrSchemeLst/>
   <a:extLst>
     <a:ext uri="{05A4C25C-085E-4340-85A3-A5531E510DB2}">
-      <thm15:themeFamily xmlns:thm15="http://schemas.microsoft.com/office/thememl/2012/main" name="Office Theme" id="{62F939B6-93AF-4DB8-9C6B-D6C7DFDC589F}" vid="{4A3C46E8-61CC-4603-A589-7422A47A8E4A}"/>
+      <thm15:themeFamily xmlns:thm15="http://schemas.microsoft.com/office/thememl/2012/main" xmlns="" name="Office Theme" id="{62F939B6-93AF-4DB8-9C6B-D6C7DFDC589F}" vid="{4A3C46E8-61CC-4603-A589-7422A47A8E4A}"/>
     </a:ext>
   </a:extLst>
 </a:theme>
